--- a/Proyecto.pptx
+++ b/Proyecto.pptx
@@ -5,10 +5,10 @@
     <p:sldMasterId id="2147483708" r:id="rId4"/>
   </p:sldMasterIdLst>
   <p:notesMasterIdLst>
-    <p:notesMasterId r:id="rId48"/>
+    <p:notesMasterId r:id="rId45"/>
   </p:notesMasterIdLst>
   <p:handoutMasterIdLst>
-    <p:handoutMasterId r:id="rId49"/>
+    <p:handoutMasterId r:id="rId46"/>
   </p:handoutMasterIdLst>
   <p:sldIdLst>
     <p:sldId id="315" r:id="rId5"/>
@@ -48,12 +48,9 @@
     <p:sldId id="353" r:id="rId39"/>
     <p:sldId id="345" r:id="rId40"/>
     <p:sldId id="348" r:id="rId41"/>
-    <p:sldId id="349" r:id="rId42"/>
-    <p:sldId id="350" r:id="rId43"/>
-    <p:sldId id="351" r:id="rId44"/>
-    <p:sldId id="346" r:id="rId45"/>
-    <p:sldId id="352" r:id="rId46"/>
-    <p:sldId id="355" r:id="rId47"/>
+    <p:sldId id="351" r:id="rId42"/>
+    <p:sldId id="346" r:id="rId43"/>
+    <p:sldId id="352" r:id="rId44"/>
   </p:sldIdLst>
   <p:sldSz cx="12192000" cy="6858000"/>
   <p:notesSz cx="6858000" cy="9144000"/>
@@ -264,7 +261,7 @@
           <a:p>
             <a:fld id="{367A1AC4-3AE8-4F87-AAED-904EC6054702}" type="datetimeFigureOut">
               <a:rPr lang="en-US" smtClean="0"/>
-              <a:t>9/25/2025</a:t>
+              <a:t>9/26/2025</a:t>
             </a:fld>
             <a:endParaRPr lang="en-US" dirty="0"/>
           </a:p>
@@ -441,7 +438,7 @@
           <a:p>
             <a:fld id="{C5556653-6123-4FE4-861F-5F9583BF59B0}" type="datetimeFigureOut">
               <a:rPr lang="en-US" smtClean="0"/>
-              <a:t>9/25/2025</a:t>
+              <a:t>9/26/2025</a:t>
             </a:fld>
             <a:endParaRPr lang="en-US" dirty="0"/>
           </a:p>
@@ -2773,6 +2770,90 @@
       </p:grpSpPr>
       <p:sp>
         <p:nvSpPr>
+          <p:cNvPr id="2" name="Marcador de imagen de diapositiva 1"/>
+          <p:cNvSpPr>
+            <a:spLocks noGrp="1" noRot="1" noChangeAspect="1"/>
+          </p:cNvSpPr>
+          <p:nvPr>
+            <p:ph type="sldImg"/>
+          </p:nvPr>
+        </p:nvSpPr>
+        <p:spPr/>
+      </p:sp>
+      <p:sp>
+        <p:nvSpPr>
+          <p:cNvPr id="3" name="Marcador de notas 2"/>
+          <p:cNvSpPr>
+            <a:spLocks noGrp="1"/>
+          </p:cNvSpPr>
+          <p:nvPr>
+            <p:ph type="body" idx="1"/>
+          </p:nvPr>
+        </p:nvSpPr>
+        <p:spPr/>
+        <p:txBody>
+          <a:bodyPr/>
+          <a:lstStyle/>
+          <a:p>
+            <a:endParaRPr lang="es-MX" dirty="0"/>
+          </a:p>
+        </p:txBody>
+      </p:sp>
+      <p:sp>
+        <p:nvSpPr>
+          <p:cNvPr id="4" name="Marcador de número de diapositiva 3"/>
+          <p:cNvSpPr>
+            <a:spLocks noGrp="1"/>
+          </p:cNvSpPr>
+          <p:nvPr>
+            <p:ph type="sldNum" sz="quarter" idx="5"/>
+          </p:nvPr>
+        </p:nvSpPr>
+        <p:spPr/>
+        <p:txBody>
+          <a:bodyPr/>
+          <a:lstStyle/>
+          <a:p>
+            <a:fld id="{54EEB602-95FC-483A-B12D-216A7AD7EA24}" type="slidenum">
+              <a:rPr lang="en-US" smtClean="0"/>
+              <a:t>28</a:t>
+            </a:fld>
+            <a:endParaRPr lang="en-US" dirty="0"/>
+          </a:p>
+        </p:txBody>
+      </p:sp>
+    </p:spTree>
+    <p:extLst>
+      <p:ext uri="{BB962C8B-B14F-4D97-AF65-F5344CB8AC3E}">
+        <p14:creationId xmlns:p14="http://schemas.microsoft.com/office/powerpoint/2010/main" val="4249226461"/>
+      </p:ext>
+    </p:extLst>
+  </p:cSld>
+  <p:clrMapOvr>
+    <a:masterClrMapping/>
+  </p:clrMapOvr>
+</p:notes>
+</file>
+
+<file path=ppt/notesSlides/notesSlide27.xml><?xml version="1.0" encoding="utf-8"?>
+<p:notes xmlns:a="http://schemas.openxmlformats.org/drawingml/2006/main" xmlns:r="http://schemas.openxmlformats.org/officeDocument/2006/relationships" xmlns:p="http://schemas.openxmlformats.org/presentationml/2006/main">
+  <p:cSld>
+    <p:spTree>
+      <p:nvGrpSpPr>
+        <p:cNvPr id="1" name=""/>
+        <p:cNvGrpSpPr/>
+        <p:nvPr/>
+      </p:nvGrpSpPr>
+      <p:grpSpPr>
+        <a:xfrm>
+          <a:off x="0" y="0"/>
+          <a:ext cx="0" cy="0"/>
+          <a:chOff x="0" y="0"/>
+          <a:chExt cx="0" cy="0"/>
+        </a:xfrm>
+      </p:grpSpPr>
+      <p:sp>
+        <p:nvSpPr>
           <p:cNvPr id="2" name="Slide Image Placeholder 1"/>
           <p:cNvSpPr>
             <a:spLocks noGrp="1" noRot="1" noChangeAspect="1"/>
@@ -2845,7 +2926,7 @@
 </p:notes>
 </file>
 
-<file path=ppt/notesSlides/notesSlide27.xml><?xml version="1.0" encoding="utf-8"?>
+<file path=ppt/notesSlides/notesSlide28.xml><?xml version="1.0" encoding="utf-8"?>
 <p:notes xmlns:a="http://schemas.openxmlformats.org/drawingml/2006/main" xmlns:r="http://schemas.openxmlformats.org/officeDocument/2006/relationships" xmlns:p="http://schemas.openxmlformats.org/presentationml/2006/main">
   <p:cSld>
     <p:spTree>
@@ -2960,7 +3041,7 @@
 </p:notes>
 </file>
 
-<file path=ppt/notesSlides/notesSlide28.xml><?xml version="1.0" encoding="utf-8"?>
+<file path=ppt/notesSlides/notesSlide29.xml><?xml version="1.0" encoding="utf-8"?>
 <p:notes xmlns:a="http://schemas.openxmlformats.org/drawingml/2006/main" xmlns:r="http://schemas.openxmlformats.org/officeDocument/2006/relationships" xmlns:p="http://schemas.openxmlformats.org/presentationml/2006/main">
   <p:cSld>
     <p:spTree>
@@ -3075,7 +3156,98 @@
 </p:notes>
 </file>
 
-<file path=ppt/notesSlides/notesSlide29.xml><?xml version="1.0" encoding="utf-8"?>
+<file path=ppt/notesSlides/notesSlide3.xml><?xml version="1.0" encoding="utf-8"?>
+<p:notes xmlns:a="http://schemas.openxmlformats.org/drawingml/2006/main" xmlns:r="http://schemas.openxmlformats.org/officeDocument/2006/relationships" xmlns:p="http://schemas.openxmlformats.org/presentationml/2006/main">
+  <p:cSld>
+    <p:spTree>
+      <p:nvGrpSpPr>
+        <p:cNvPr id="1" name=""/>
+        <p:cNvGrpSpPr/>
+        <p:nvPr/>
+      </p:nvGrpSpPr>
+      <p:grpSpPr>
+        <a:xfrm>
+          <a:off x="0" y="0"/>
+          <a:ext cx="0" cy="0"/>
+          <a:chOff x="0" y="0"/>
+          <a:chExt cx="0" cy="0"/>
+        </a:xfrm>
+      </p:grpSpPr>
+      <p:sp>
+        <p:nvSpPr>
+          <p:cNvPr id="2" name="Slide Image Placeholder 1"/>
+          <p:cNvSpPr>
+            <a:spLocks noGrp="1" noRot="1" noChangeAspect="1"/>
+          </p:cNvSpPr>
+          <p:nvPr>
+            <p:ph type="sldImg"/>
+          </p:nvPr>
+        </p:nvSpPr>
+        <p:spPr/>
+        <p:txBody>
+          <a:bodyPr/>
+          <a:lstStyle/>
+          <a:p>
+            <a:endParaRPr lang="es-MX"/>
+          </a:p>
+        </p:txBody>
+      </p:sp>
+      <p:sp>
+        <p:nvSpPr>
+          <p:cNvPr id="3" name="Notes Placeholder 2"/>
+          <p:cNvSpPr>
+            <a:spLocks noGrp="1"/>
+          </p:cNvSpPr>
+          <p:nvPr>
+            <p:ph type="body" idx="1"/>
+          </p:nvPr>
+        </p:nvSpPr>
+        <p:spPr/>
+        <p:txBody>
+          <a:bodyPr/>
+          <a:lstStyle/>
+          <a:p>
+            <a:endParaRPr lang="en-US" dirty="0"/>
+          </a:p>
+        </p:txBody>
+      </p:sp>
+      <p:sp>
+        <p:nvSpPr>
+          <p:cNvPr id="4" name="Slide Number Placeholder 3"/>
+          <p:cNvSpPr>
+            <a:spLocks noGrp="1"/>
+          </p:cNvSpPr>
+          <p:nvPr>
+            <p:ph type="sldNum" sz="quarter" idx="5"/>
+          </p:nvPr>
+        </p:nvSpPr>
+        <p:spPr/>
+        <p:txBody>
+          <a:bodyPr/>
+          <a:lstStyle/>
+          <a:p>
+            <a:fld id="{54EEB602-95FC-483A-B12D-216A7AD7EA24}" type="slidenum">
+              <a:rPr lang="en-US" smtClean="0"/>
+              <a:t>4</a:t>
+            </a:fld>
+            <a:endParaRPr lang="en-US" dirty="0"/>
+          </a:p>
+        </p:txBody>
+      </p:sp>
+    </p:spTree>
+    <p:extLst>
+      <p:ext uri="{BB962C8B-B14F-4D97-AF65-F5344CB8AC3E}">
+        <p14:creationId xmlns:p14="http://schemas.microsoft.com/office/powerpoint/2010/main" val="3986912794"/>
+      </p:ext>
+    </p:extLst>
+  </p:cSld>
+  <p:clrMapOvr>
+    <a:masterClrMapping/>
+  </p:clrMapOvr>
+</p:notes>
+</file>
+
+<file path=ppt/notesSlides/notesSlide30.xml><?xml version="1.0" encoding="utf-8"?>
 <p:notes xmlns:a="http://schemas.openxmlformats.org/drawingml/2006/main" xmlns:r="http://schemas.openxmlformats.org/officeDocument/2006/relationships" xmlns:p="http://schemas.openxmlformats.org/presentationml/2006/main">
   <p:cSld>
     <p:spTree>
@@ -3190,98 +3362,7 @@
 </p:notes>
 </file>
 
-<file path=ppt/notesSlides/notesSlide3.xml><?xml version="1.0" encoding="utf-8"?>
-<p:notes xmlns:a="http://schemas.openxmlformats.org/drawingml/2006/main" xmlns:r="http://schemas.openxmlformats.org/officeDocument/2006/relationships" xmlns:p="http://schemas.openxmlformats.org/presentationml/2006/main">
-  <p:cSld>
-    <p:spTree>
-      <p:nvGrpSpPr>
-        <p:cNvPr id="1" name=""/>
-        <p:cNvGrpSpPr/>
-        <p:nvPr/>
-      </p:nvGrpSpPr>
-      <p:grpSpPr>
-        <a:xfrm>
-          <a:off x="0" y="0"/>
-          <a:ext cx="0" cy="0"/>
-          <a:chOff x="0" y="0"/>
-          <a:chExt cx="0" cy="0"/>
-        </a:xfrm>
-      </p:grpSpPr>
-      <p:sp>
-        <p:nvSpPr>
-          <p:cNvPr id="2" name="Slide Image Placeholder 1"/>
-          <p:cNvSpPr>
-            <a:spLocks noGrp="1" noRot="1" noChangeAspect="1"/>
-          </p:cNvSpPr>
-          <p:nvPr>
-            <p:ph type="sldImg"/>
-          </p:nvPr>
-        </p:nvSpPr>
-        <p:spPr/>
-        <p:txBody>
-          <a:bodyPr/>
-          <a:lstStyle/>
-          <a:p>
-            <a:endParaRPr lang="es-MX"/>
-          </a:p>
-        </p:txBody>
-      </p:sp>
-      <p:sp>
-        <p:nvSpPr>
-          <p:cNvPr id="3" name="Notes Placeholder 2"/>
-          <p:cNvSpPr>
-            <a:spLocks noGrp="1"/>
-          </p:cNvSpPr>
-          <p:nvPr>
-            <p:ph type="body" idx="1"/>
-          </p:nvPr>
-        </p:nvSpPr>
-        <p:spPr/>
-        <p:txBody>
-          <a:bodyPr/>
-          <a:lstStyle/>
-          <a:p>
-            <a:endParaRPr lang="en-US" dirty="0"/>
-          </a:p>
-        </p:txBody>
-      </p:sp>
-      <p:sp>
-        <p:nvSpPr>
-          <p:cNvPr id="4" name="Slide Number Placeholder 3"/>
-          <p:cNvSpPr>
-            <a:spLocks noGrp="1"/>
-          </p:cNvSpPr>
-          <p:nvPr>
-            <p:ph type="sldNum" sz="quarter" idx="5"/>
-          </p:nvPr>
-        </p:nvSpPr>
-        <p:spPr/>
-        <p:txBody>
-          <a:bodyPr/>
-          <a:lstStyle/>
-          <a:p>
-            <a:fld id="{54EEB602-95FC-483A-B12D-216A7AD7EA24}" type="slidenum">
-              <a:rPr lang="en-US" smtClean="0"/>
-              <a:t>4</a:t>
-            </a:fld>
-            <a:endParaRPr lang="en-US" dirty="0"/>
-          </a:p>
-        </p:txBody>
-      </p:sp>
-    </p:spTree>
-    <p:extLst>
-      <p:ext uri="{BB962C8B-B14F-4D97-AF65-F5344CB8AC3E}">
-        <p14:creationId xmlns:p14="http://schemas.microsoft.com/office/powerpoint/2010/main" val="3986912794"/>
-      </p:ext>
-    </p:extLst>
-  </p:cSld>
-  <p:clrMapOvr>
-    <a:masterClrMapping/>
-  </p:clrMapOvr>
-</p:notes>
-</file>
-
-<file path=ppt/notesSlides/notesSlide30.xml><?xml version="1.0" encoding="utf-8"?>
+<file path=ppt/notesSlides/notesSlide31.xml><?xml version="1.0" encoding="utf-8"?>
 <p:notes xmlns:a="http://schemas.openxmlformats.org/drawingml/2006/main" xmlns:r="http://schemas.openxmlformats.org/officeDocument/2006/relationships" xmlns:p="http://schemas.openxmlformats.org/presentationml/2006/main">
   <p:cSld>
     <p:spTree>
@@ -3396,7 +3477,7 @@
 </p:notes>
 </file>
 
-<file path=ppt/notesSlides/notesSlide31.xml><?xml version="1.0" encoding="utf-8"?>
+<file path=ppt/notesSlides/notesSlide32.xml><?xml version="1.0" encoding="utf-8"?>
 <p:notes xmlns:a="http://schemas.openxmlformats.org/drawingml/2006/main" xmlns:r="http://schemas.openxmlformats.org/officeDocument/2006/relationships" xmlns:p="http://schemas.openxmlformats.org/presentationml/2006/main">
   <p:cSld>
     <p:spTree>
@@ -3511,7 +3592,7 @@
 </p:notes>
 </file>
 
-<file path=ppt/notesSlides/notesSlide32.xml><?xml version="1.0" encoding="utf-8"?>
+<file path=ppt/notesSlides/notesSlide33.xml><?xml version="1.0" encoding="utf-8"?>
 <p:notes xmlns:a="http://schemas.openxmlformats.org/drawingml/2006/main" xmlns:r="http://schemas.openxmlformats.org/officeDocument/2006/relationships" xmlns:p="http://schemas.openxmlformats.org/presentationml/2006/main">
   <p:cSld>
     <p:spTree>
@@ -3626,7 +3707,7 @@
 </p:notes>
 </file>
 
-<file path=ppt/notesSlides/notesSlide33.xml><?xml version="1.0" encoding="utf-8"?>
+<file path=ppt/notesSlides/notesSlide34.xml><?xml version="1.0" encoding="utf-8"?>
 <p:notes xmlns:a="http://schemas.openxmlformats.org/drawingml/2006/main" xmlns:r="http://schemas.openxmlformats.org/officeDocument/2006/relationships" xmlns:p="http://schemas.openxmlformats.org/presentationml/2006/main">
   <p:cSld>
     <p:spTree>
@@ -3741,7 +3822,7 @@
 </p:notes>
 </file>
 
-<file path=ppt/notesSlides/notesSlide34.xml><?xml version="1.0" encoding="utf-8"?>
+<file path=ppt/notesSlides/notesSlide35.xml><?xml version="1.0" encoding="utf-8"?>
 <p:notes xmlns:a="http://schemas.openxmlformats.org/drawingml/2006/main" xmlns:r="http://schemas.openxmlformats.org/officeDocument/2006/relationships" xmlns:p="http://schemas.openxmlformats.org/presentationml/2006/main">
   <p:cSld>
     <p:spTree>
@@ -3856,237 +3937,7 @@
 </p:notes>
 </file>
 
-<file path=ppt/notesSlides/notesSlide35.xml><?xml version="1.0" encoding="utf-8"?>
-<p:notes xmlns:a="http://schemas.openxmlformats.org/drawingml/2006/main" xmlns:r="http://schemas.openxmlformats.org/officeDocument/2006/relationships" xmlns:p="http://schemas.openxmlformats.org/presentationml/2006/main">
-  <p:cSld>
-    <p:spTree>
-      <p:nvGrpSpPr>
-        <p:cNvPr id="1" name="">
-          <a:extLst>
-            <a:ext uri="{FF2B5EF4-FFF2-40B4-BE49-F238E27FC236}">
-              <a16:creationId xmlns:a16="http://schemas.microsoft.com/office/drawing/2014/main" id="{EE145893-CD15-78B3-D729-B32EFE6D20D6}"/>
-            </a:ext>
-          </a:extLst>
-        </p:cNvPr>
-        <p:cNvGrpSpPr/>
-        <p:nvPr/>
-      </p:nvGrpSpPr>
-      <p:grpSpPr>
-        <a:xfrm>
-          <a:off x="0" y="0"/>
-          <a:ext cx="0" cy="0"/>
-          <a:chOff x="0" y="0"/>
-          <a:chExt cx="0" cy="0"/>
-        </a:xfrm>
-      </p:grpSpPr>
-      <p:sp>
-        <p:nvSpPr>
-          <p:cNvPr id="2" name="Slide Image Placeholder 1">
-            <a:extLst>
-              <a:ext uri="{FF2B5EF4-FFF2-40B4-BE49-F238E27FC236}">
-                <a16:creationId xmlns:a16="http://schemas.microsoft.com/office/drawing/2014/main" id="{4B97F64C-B27A-F303-5765-A556CA25FCE0}"/>
-              </a:ext>
-            </a:extLst>
-          </p:cNvPr>
-          <p:cNvSpPr>
-            <a:spLocks noGrp="1" noRot="1" noChangeAspect="1"/>
-          </p:cNvSpPr>
-          <p:nvPr>
-            <p:ph type="sldImg"/>
-          </p:nvPr>
-        </p:nvSpPr>
-        <p:spPr/>
-        <p:txBody>
-          <a:bodyPr/>
-          <a:lstStyle/>
-          <a:p>
-            <a:endParaRPr lang="es-MX"/>
-          </a:p>
-        </p:txBody>
-      </p:sp>
-      <p:sp>
-        <p:nvSpPr>
-          <p:cNvPr id="3" name="Notes Placeholder 2">
-            <a:extLst>
-              <a:ext uri="{FF2B5EF4-FFF2-40B4-BE49-F238E27FC236}">
-                <a16:creationId xmlns:a16="http://schemas.microsoft.com/office/drawing/2014/main" id="{CA9C6669-D805-C7D8-F743-63D3897F77D2}"/>
-              </a:ext>
-            </a:extLst>
-          </p:cNvPr>
-          <p:cNvSpPr>
-            <a:spLocks noGrp="1"/>
-          </p:cNvSpPr>
-          <p:nvPr>
-            <p:ph type="body" idx="1"/>
-          </p:nvPr>
-        </p:nvSpPr>
-        <p:spPr/>
-        <p:txBody>
-          <a:bodyPr/>
-          <a:lstStyle/>
-          <a:p>
-            <a:endParaRPr lang="en-US" dirty="0"/>
-          </a:p>
-        </p:txBody>
-      </p:sp>
-      <p:sp>
-        <p:nvSpPr>
-          <p:cNvPr id="4" name="Slide Number Placeholder 3">
-            <a:extLst>
-              <a:ext uri="{FF2B5EF4-FFF2-40B4-BE49-F238E27FC236}">
-                <a16:creationId xmlns:a16="http://schemas.microsoft.com/office/drawing/2014/main" id="{7DAAF415-D05E-9B57-8169-2F57975B8B4C}"/>
-              </a:ext>
-            </a:extLst>
-          </p:cNvPr>
-          <p:cNvSpPr>
-            <a:spLocks noGrp="1"/>
-          </p:cNvSpPr>
-          <p:nvPr>
-            <p:ph type="sldNum" sz="quarter" idx="5"/>
-          </p:nvPr>
-        </p:nvSpPr>
-        <p:spPr/>
-        <p:txBody>
-          <a:bodyPr/>
-          <a:lstStyle/>
-          <a:p>
-            <a:fld id="{54EEB602-95FC-483A-B12D-216A7AD7EA24}" type="slidenum">
-              <a:rPr lang="en-US" smtClean="0"/>
-              <a:t>38</a:t>
-            </a:fld>
-            <a:endParaRPr lang="en-US" dirty="0"/>
-          </a:p>
-        </p:txBody>
-      </p:sp>
-    </p:spTree>
-    <p:extLst>
-      <p:ext uri="{BB962C8B-B14F-4D97-AF65-F5344CB8AC3E}">
-        <p14:creationId xmlns:p14="http://schemas.microsoft.com/office/powerpoint/2010/main" val="3328545328"/>
-      </p:ext>
-    </p:extLst>
-  </p:cSld>
-  <p:clrMapOvr>
-    <a:masterClrMapping/>
-  </p:clrMapOvr>
-</p:notes>
-</file>
-
 <file path=ppt/notesSlides/notesSlide36.xml><?xml version="1.0" encoding="utf-8"?>
-<p:notes xmlns:a="http://schemas.openxmlformats.org/drawingml/2006/main" xmlns:r="http://schemas.openxmlformats.org/officeDocument/2006/relationships" xmlns:p="http://schemas.openxmlformats.org/presentationml/2006/main">
-  <p:cSld>
-    <p:spTree>
-      <p:nvGrpSpPr>
-        <p:cNvPr id="1" name="">
-          <a:extLst>
-            <a:ext uri="{FF2B5EF4-FFF2-40B4-BE49-F238E27FC236}">
-              <a16:creationId xmlns:a16="http://schemas.microsoft.com/office/drawing/2014/main" id="{CF53D5FD-FF85-518B-8FC0-03D13134DAB1}"/>
-            </a:ext>
-          </a:extLst>
-        </p:cNvPr>
-        <p:cNvGrpSpPr/>
-        <p:nvPr/>
-      </p:nvGrpSpPr>
-      <p:grpSpPr>
-        <a:xfrm>
-          <a:off x="0" y="0"/>
-          <a:ext cx="0" cy="0"/>
-          <a:chOff x="0" y="0"/>
-          <a:chExt cx="0" cy="0"/>
-        </a:xfrm>
-      </p:grpSpPr>
-      <p:sp>
-        <p:nvSpPr>
-          <p:cNvPr id="2" name="Slide Image Placeholder 1">
-            <a:extLst>
-              <a:ext uri="{FF2B5EF4-FFF2-40B4-BE49-F238E27FC236}">
-                <a16:creationId xmlns:a16="http://schemas.microsoft.com/office/drawing/2014/main" id="{ABA57A85-F49E-A9CC-DEAB-EC7D569650DE}"/>
-              </a:ext>
-            </a:extLst>
-          </p:cNvPr>
-          <p:cNvSpPr>
-            <a:spLocks noGrp="1" noRot="1" noChangeAspect="1"/>
-          </p:cNvSpPr>
-          <p:nvPr>
-            <p:ph type="sldImg"/>
-          </p:nvPr>
-        </p:nvSpPr>
-        <p:spPr/>
-        <p:txBody>
-          <a:bodyPr/>
-          <a:lstStyle/>
-          <a:p>
-            <a:endParaRPr lang="es-MX"/>
-          </a:p>
-        </p:txBody>
-      </p:sp>
-      <p:sp>
-        <p:nvSpPr>
-          <p:cNvPr id="3" name="Notes Placeholder 2">
-            <a:extLst>
-              <a:ext uri="{FF2B5EF4-FFF2-40B4-BE49-F238E27FC236}">
-                <a16:creationId xmlns:a16="http://schemas.microsoft.com/office/drawing/2014/main" id="{0CA302D9-A90C-0812-E83D-71BDFFAA3ED4}"/>
-              </a:ext>
-            </a:extLst>
-          </p:cNvPr>
-          <p:cNvSpPr>
-            <a:spLocks noGrp="1"/>
-          </p:cNvSpPr>
-          <p:nvPr>
-            <p:ph type="body" idx="1"/>
-          </p:nvPr>
-        </p:nvSpPr>
-        <p:spPr/>
-        <p:txBody>
-          <a:bodyPr/>
-          <a:lstStyle/>
-          <a:p>
-            <a:endParaRPr lang="en-US" dirty="0"/>
-          </a:p>
-        </p:txBody>
-      </p:sp>
-      <p:sp>
-        <p:nvSpPr>
-          <p:cNvPr id="4" name="Slide Number Placeholder 3">
-            <a:extLst>
-              <a:ext uri="{FF2B5EF4-FFF2-40B4-BE49-F238E27FC236}">
-                <a16:creationId xmlns:a16="http://schemas.microsoft.com/office/drawing/2014/main" id="{F956ECB3-F2B8-0BAD-63A8-AF68FACDB65B}"/>
-              </a:ext>
-            </a:extLst>
-          </p:cNvPr>
-          <p:cNvSpPr>
-            <a:spLocks noGrp="1"/>
-          </p:cNvSpPr>
-          <p:nvPr>
-            <p:ph type="sldNum" sz="quarter" idx="5"/>
-          </p:nvPr>
-        </p:nvSpPr>
-        <p:spPr/>
-        <p:txBody>
-          <a:bodyPr/>
-          <a:lstStyle/>
-          <a:p>
-            <a:fld id="{54EEB602-95FC-483A-B12D-216A7AD7EA24}" type="slidenum">
-              <a:rPr lang="en-US" smtClean="0"/>
-              <a:t>39</a:t>
-            </a:fld>
-            <a:endParaRPr lang="en-US" dirty="0"/>
-          </a:p>
-        </p:txBody>
-      </p:sp>
-    </p:spTree>
-    <p:extLst>
-      <p:ext uri="{BB962C8B-B14F-4D97-AF65-F5344CB8AC3E}">
-        <p14:creationId xmlns:p14="http://schemas.microsoft.com/office/powerpoint/2010/main" val="3892441969"/>
-      </p:ext>
-    </p:extLst>
-  </p:cSld>
-  <p:clrMapOvr>
-    <a:masterClrMapping/>
-  </p:clrMapOvr>
-</p:notes>
-</file>
-
-<file path=ppt/notesSlides/notesSlide37.xml><?xml version="1.0" encoding="utf-8"?>
 <p:notes xmlns:a="http://schemas.openxmlformats.org/drawingml/2006/main" xmlns:r="http://schemas.openxmlformats.org/officeDocument/2006/relationships" xmlns:p="http://schemas.openxmlformats.org/presentationml/2006/main">
   <p:cSld>
     <p:spTree>
@@ -4182,7 +4033,7 @@
           <a:p>
             <a:fld id="{54EEB602-95FC-483A-B12D-216A7AD7EA24}" type="slidenum">
               <a:rPr lang="en-US" smtClean="0"/>
-              <a:t>40</a:t>
+              <a:t>38</a:t>
             </a:fld>
             <a:endParaRPr lang="en-US" dirty="0"/>
           </a:p>
@@ -4201,7 +4052,7 @@
 </p:notes>
 </file>
 
-<file path=ppt/notesSlides/notesSlide38.xml><?xml version="1.0" encoding="utf-8"?>
+<file path=ppt/notesSlides/notesSlide37.xml><?xml version="1.0" encoding="utf-8"?>
 <p:notes xmlns:a="http://schemas.openxmlformats.org/drawingml/2006/main" xmlns:r="http://schemas.openxmlformats.org/officeDocument/2006/relationships" xmlns:p="http://schemas.openxmlformats.org/presentationml/2006/main">
   <p:cSld>
     <p:spTree>
@@ -4297,7 +4148,7 @@
           <a:p>
             <a:fld id="{54EEB602-95FC-483A-B12D-216A7AD7EA24}" type="slidenum">
               <a:rPr lang="en-US" smtClean="0"/>
-              <a:t>41</a:t>
+              <a:t>39</a:t>
             </a:fld>
             <a:endParaRPr lang="en-US" dirty="0"/>
           </a:p>
@@ -4316,7 +4167,7 @@
 </p:notes>
 </file>
 
-<file path=ppt/notesSlides/notesSlide39.xml><?xml version="1.0" encoding="utf-8"?>
+<file path=ppt/notesSlides/notesSlide38.xml><?xml version="1.0" encoding="utf-8"?>
 <p:notes xmlns:a="http://schemas.openxmlformats.org/drawingml/2006/main" xmlns:r="http://schemas.openxmlformats.org/officeDocument/2006/relationships" xmlns:p="http://schemas.openxmlformats.org/presentationml/2006/main">
   <p:cSld>
     <p:spTree>
@@ -4412,7 +4263,7 @@
           <a:p>
             <a:fld id="{54EEB602-95FC-483A-B12D-216A7AD7EA24}" type="slidenum">
               <a:rPr lang="en-US" smtClean="0"/>
-              <a:t>42</a:t>
+              <a:t>40</a:t>
             </a:fld>
             <a:endParaRPr lang="en-US" dirty="0"/>
           </a:p>
@@ -4537,121 +4388,6 @@
     <p:extLst>
       <p:ext uri="{BB962C8B-B14F-4D97-AF65-F5344CB8AC3E}">
         <p14:creationId xmlns:p14="http://schemas.microsoft.com/office/powerpoint/2010/main" val="1927267907"/>
-      </p:ext>
-    </p:extLst>
-  </p:cSld>
-  <p:clrMapOvr>
-    <a:masterClrMapping/>
-  </p:clrMapOvr>
-</p:notes>
-</file>
-
-<file path=ppt/notesSlides/notesSlide40.xml><?xml version="1.0" encoding="utf-8"?>
-<p:notes xmlns:a="http://schemas.openxmlformats.org/drawingml/2006/main" xmlns:r="http://schemas.openxmlformats.org/officeDocument/2006/relationships" xmlns:p="http://schemas.openxmlformats.org/presentationml/2006/main">
-  <p:cSld>
-    <p:spTree>
-      <p:nvGrpSpPr>
-        <p:cNvPr id="1" name="">
-          <a:extLst>
-            <a:ext uri="{FF2B5EF4-FFF2-40B4-BE49-F238E27FC236}">
-              <a16:creationId xmlns:a16="http://schemas.microsoft.com/office/drawing/2014/main" id="{0CA17EAF-D86D-4557-E3C5-371924508440}"/>
-            </a:ext>
-          </a:extLst>
-        </p:cNvPr>
-        <p:cNvGrpSpPr/>
-        <p:nvPr/>
-      </p:nvGrpSpPr>
-      <p:grpSpPr>
-        <a:xfrm>
-          <a:off x="0" y="0"/>
-          <a:ext cx="0" cy="0"/>
-          <a:chOff x="0" y="0"/>
-          <a:chExt cx="0" cy="0"/>
-        </a:xfrm>
-      </p:grpSpPr>
-      <p:sp>
-        <p:nvSpPr>
-          <p:cNvPr id="2" name="Slide Image Placeholder 1">
-            <a:extLst>
-              <a:ext uri="{FF2B5EF4-FFF2-40B4-BE49-F238E27FC236}">
-                <a16:creationId xmlns:a16="http://schemas.microsoft.com/office/drawing/2014/main" id="{F43EC237-08F6-954C-B26F-4FE3DC9BB086}"/>
-              </a:ext>
-            </a:extLst>
-          </p:cNvPr>
-          <p:cNvSpPr>
-            <a:spLocks noGrp="1" noRot="1" noChangeAspect="1"/>
-          </p:cNvSpPr>
-          <p:nvPr>
-            <p:ph type="sldImg"/>
-          </p:nvPr>
-        </p:nvSpPr>
-        <p:spPr/>
-        <p:txBody>
-          <a:bodyPr/>
-          <a:lstStyle/>
-          <a:p>
-            <a:endParaRPr lang="es-MX"/>
-          </a:p>
-        </p:txBody>
-      </p:sp>
-      <p:sp>
-        <p:nvSpPr>
-          <p:cNvPr id="3" name="Notes Placeholder 2">
-            <a:extLst>
-              <a:ext uri="{FF2B5EF4-FFF2-40B4-BE49-F238E27FC236}">
-                <a16:creationId xmlns:a16="http://schemas.microsoft.com/office/drawing/2014/main" id="{757E3F3C-FC2E-D6DC-6151-9858D1385FA4}"/>
-              </a:ext>
-            </a:extLst>
-          </p:cNvPr>
-          <p:cNvSpPr>
-            <a:spLocks noGrp="1"/>
-          </p:cNvSpPr>
-          <p:nvPr>
-            <p:ph type="body" idx="1"/>
-          </p:nvPr>
-        </p:nvSpPr>
-        <p:spPr/>
-        <p:txBody>
-          <a:bodyPr/>
-          <a:lstStyle/>
-          <a:p>
-            <a:endParaRPr lang="en-US" dirty="0"/>
-          </a:p>
-        </p:txBody>
-      </p:sp>
-      <p:sp>
-        <p:nvSpPr>
-          <p:cNvPr id="4" name="Slide Number Placeholder 3">
-            <a:extLst>
-              <a:ext uri="{FF2B5EF4-FFF2-40B4-BE49-F238E27FC236}">
-                <a16:creationId xmlns:a16="http://schemas.microsoft.com/office/drawing/2014/main" id="{3509DF67-B6B1-3495-3AD8-0BB8D71823A8}"/>
-              </a:ext>
-            </a:extLst>
-          </p:cNvPr>
-          <p:cNvSpPr>
-            <a:spLocks noGrp="1"/>
-          </p:cNvSpPr>
-          <p:nvPr>
-            <p:ph type="sldNum" sz="quarter" idx="5"/>
-          </p:nvPr>
-        </p:nvSpPr>
-        <p:spPr/>
-        <p:txBody>
-          <a:bodyPr/>
-          <a:lstStyle/>
-          <a:p>
-            <a:fld id="{54EEB602-95FC-483A-B12D-216A7AD7EA24}" type="slidenum">
-              <a:rPr lang="en-US" smtClean="0"/>
-              <a:t>43</a:t>
-            </a:fld>
-            <a:endParaRPr lang="en-US" dirty="0"/>
-          </a:p>
-        </p:txBody>
-      </p:sp>
-    </p:spTree>
-    <p:extLst>
-      <p:ext uri="{BB962C8B-B14F-4D97-AF65-F5344CB8AC3E}">
-        <p14:creationId xmlns:p14="http://schemas.microsoft.com/office/powerpoint/2010/main" val="3615302016"/>
       </p:ext>
     </p:extLst>
   </p:cSld>
@@ -26355,7 +26091,7 @@
           <a:p>
             <a:fld id="{005CD215-1C45-48A0-8534-39FFE8A7C95A}" type="datetime1">
               <a:rPr lang="en-US" smtClean="0"/>
-              <a:t>9/25/2025</a:t>
+              <a:t>9/26/2025</a:t>
             </a:fld>
             <a:endParaRPr lang="en-US" dirty="0"/>
           </a:p>
@@ -28299,13 +28035,8 @@
             </a:br>
             <a:r>
               <a:rPr lang="es-MX" noProof="0" dirty="0"/>
-              <a:t>diseño e implementación de base de datos para </a:t>
+              <a:t>diseño e implementación de base de datos para PPAP’s</a:t>
             </a:r>
-            <a:r>
-              <a:rPr lang="es-MX" noProof="0" dirty="0" err="1"/>
-              <a:t>PPAP’s</a:t>
-            </a:r>
-            <a:endParaRPr lang="es-MX" noProof="0" dirty="0"/>
           </a:p>
         </p:txBody>
       </p:sp>
@@ -28393,7 +28124,7 @@
           <p:nvPr>
             <p:extLst>
               <p:ext uri="{D42A27DB-BD31-4B8C-83A1-F6EECF244321}">
-                <p14:modId xmlns:p14="http://schemas.microsoft.com/office/powerpoint/2010/main" val="1736630510"/>
+                <p14:modId xmlns:p14="http://schemas.microsoft.com/office/powerpoint/2010/main" val="2362350720"/>
               </p:ext>
             </p:extLst>
           </p:nvPr>
@@ -29050,7 +28781,7 @@
           <p:nvPr>
             <p:extLst>
               <p:ext uri="{D42A27DB-BD31-4B8C-83A1-F6EECF244321}">
-                <p14:modId xmlns:p14="http://schemas.microsoft.com/office/powerpoint/2010/main" val="3781136426"/>
+                <p14:modId xmlns:p14="http://schemas.microsoft.com/office/powerpoint/2010/main" val="2534240392"/>
               </p:ext>
             </p:extLst>
           </p:nvPr>
@@ -29563,7 +29294,7 @@
           <p:nvPr>
             <p:extLst>
               <p:ext uri="{D42A27DB-BD31-4B8C-83A1-F6EECF244321}">
-                <p14:modId xmlns:p14="http://schemas.microsoft.com/office/powerpoint/2010/main" val="1230577267"/>
+                <p14:modId xmlns:p14="http://schemas.microsoft.com/office/powerpoint/2010/main" val="794111913"/>
               </p:ext>
             </p:extLst>
           </p:nvPr>
@@ -30220,7 +29951,7 @@
           <p:nvPr>
             <p:extLst>
               <p:ext uri="{D42A27DB-BD31-4B8C-83A1-F6EECF244321}">
-                <p14:modId xmlns:p14="http://schemas.microsoft.com/office/powerpoint/2010/main" val="3049105341"/>
+                <p14:modId xmlns:p14="http://schemas.microsoft.com/office/powerpoint/2010/main" val="117357153"/>
               </p:ext>
             </p:extLst>
           </p:nvPr>
@@ -31124,13 +30855,8 @@
                     <a:p>
                       <a:r>
                         <a:rPr lang="es-MX" noProof="0" dirty="0"/>
-                        <a:t>1 </a:t>
-                      </a:r>
-                      <a:r>
-                        <a:rPr lang="es-MX" noProof="0" dirty="0" err="1"/>
-                        <a:t>caracter</a:t>
-                      </a:r>
-                      <a:endParaRPr lang="es-MX" noProof="0" dirty="0"/>
+                        <a:t>1 carácter</a:t>
+                      </a:r>
                     </a:p>
                   </a:txBody>
                   <a:tcPr/>
@@ -31261,13 +30987,8 @@
                       </a:pPr>
                       <a:r>
                         <a:rPr lang="es-MX" noProof="0" dirty="0"/>
-                        <a:t>1 </a:t>
-                      </a:r>
-                      <a:r>
-                        <a:rPr lang="es-MX" noProof="0" dirty="0" err="1"/>
-                        <a:t>caracter</a:t>
-                      </a:r>
-                      <a:endParaRPr lang="es-MX" noProof="0" dirty="0"/>
+                        <a:t>1 carácter</a:t>
+                      </a:r>
                     </a:p>
                   </a:txBody>
                   <a:tcPr/>
@@ -31448,7 +31169,7 @@
           <p:nvPr>
             <p:extLst>
               <p:ext uri="{D42A27DB-BD31-4B8C-83A1-F6EECF244321}">
-                <p14:modId xmlns:p14="http://schemas.microsoft.com/office/powerpoint/2010/main" val="1159959645"/>
+                <p14:modId xmlns:p14="http://schemas.microsoft.com/office/powerpoint/2010/main" val="315783610"/>
               </p:ext>
             </p:extLst>
           </p:nvPr>
@@ -32869,7 +32590,7 @@
           <p:nvPr>
             <p:extLst>
               <p:ext uri="{D42A27DB-BD31-4B8C-83A1-F6EECF244321}">
-                <p14:modId xmlns:p14="http://schemas.microsoft.com/office/powerpoint/2010/main" val="3612699420"/>
+                <p14:modId xmlns:p14="http://schemas.microsoft.com/office/powerpoint/2010/main" val="295519865"/>
               </p:ext>
             </p:extLst>
           </p:nvPr>
@@ -33379,7 +33100,7 @@
           <p:nvPr>
             <p:extLst>
               <p:ext uri="{D42A27DB-BD31-4B8C-83A1-F6EECF244321}">
-                <p14:modId xmlns:p14="http://schemas.microsoft.com/office/powerpoint/2010/main" val="2821923778"/>
+                <p14:modId xmlns:p14="http://schemas.microsoft.com/office/powerpoint/2010/main" val="2219427393"/>
               </p:ext>
             </p:extLst>
           </p:nvPr>
@@ -34036,7 +33757,7 @@
           <p:nvPr>
             <p:extLst>
               <p:ext uri="{D42A27DB-BD31-4B8C-83A1-F6EECF244321}">
-                <p14:modId xmlns:p14="http://schemas.microsoft.com/office/powerpoint/2010/main" val="3582938511"/>
+                <p14:modId xmlns:p14="http://schemas.microsoft.com/office/powerpoint/2010/main" val="3434313930"/>
               </p:ext>
             </p:extLst>
           </p:nvPr>
@@ -34534,7 +34255,7 @@
                       </a:pPr>
                       <a:r>
                         <a:rPr lang="es-MX" noProof="0" dirty="0"/>
-                        <a:t>1</a:t>
+                        <a:t>1 carácter</a:t>
                       </a:r>
                     </a:p>
                   </a:txBody>
@@ -35217,7 +34938,7 @@
           <p:nvPr>
             <p:extLst>
               <p:ext uri="{D42A27DB-BD31-4B8C-83A1-F6EECF244321}">
-                <p14:modId xmlns:p14="http://schemas.microsoft.com/office/powerpoint/2010/main" val="4018586531"/>
+                <p14:modId xmlns:p14="http://schemas.microsoft.com/office/powerpoint/2010/main" val="3924442751"/>
               </p:ext>
             </p:extLst>
           </p:nvPr>
@@ -35394,7 +35115,7 @@
                     <a:p>
                       <a:r>
                         <a:rPr lang="es-MX" noProof="0" dirty="0"/>
-                        <a:t>1</a:t>
+                        <a:t>1 carácter</a:t>
                       </a:r>
                     </a:p>
                   </a:txBody>
@@ -35622,7 +35343,7 @@
           <p:nvPr>
             <p:extLst>
               <p:ext uri="{D42A27DB-BD31-4B8C-83A1-F6EECF244321}">
-                <p14:modId xmlns:p14="http://schemas.microsoft.com/office/powerpoint/2010/main" val="372642556"/>
+                <p14:modId xmlns:p14="http://schemas.microsoft.com/office/powerpoint/2010/main" val="4238547526"/>
               </p:ext>
             </p:extLst>
           </p:nvPr>
@@ -36590,12 +36311,8 @@
           <a:p>
             <a:pPr algn="just"/>
             <a:r>
-              <a:rPr lang="es-MX" sz="2400" dirty="0"/>
-              <a:t>A</a:t>
-            </a:r>
-            <a:r>
               <a:rPr lang="es-MX" sz="2400" noProof="0" dirty="0"/>
-              <a:t>sí como una pagina web para el registro, control y manejo de la información de PPAP's del área de Calidad.</a:t>
+              <a:t>Así como una pagina web para el registro, control y manejo de la información de PPAP's del área de Calidad.</a:t>
             </a:r>
           </a:p>
         </p:txBody>
@@ -36684,7 +36401,7 @@
           <p:nvPr>
             <p:extLst>
               <p:ext uri="{D42A27DB-BD31-4B8C-83A1-F6EECF244321}">
-                <p14:modId xmlns:p14="http://schemas.microsoft.com/office/powerpoint/2010/main" val="2093683259"/>
+                <p14:modId xmlns:p14="http://schemas.microsoft.com/office/powerpoint/2010/main" val="3785459441"/>
               </p:ext>
             </p:extLst>
           </p:nvPr>
@@ -37365,15 +37082,7 @@
           <a:p>
             <a:r>
               <a:rPr lang="es-MX" sz="4000" noProof="0" dirty="0"/>
-              <a:t>Tubos </a:t>
-            </a:r>
-            <a:r>
-              <a:rPr lang="es-MX" sz="4000" dirty="0"/>
-              <a:t>–</a:t>
-            </a:r>
-            <a:r>
-              <a:rPr lang="es-MX" sz="4000" noProof="0" dirty="0"/>
-              <a:t> </a:t>
+              <a:t>Tubos – </a:t>
             </a:r>
             <a:r>
               <a:rPr lang="es-MX" sz="4000" b="0" cap="none" noProof="0" dirty="0" err="1"/>
@@ -37398,7 +37107,7 @@
           <p:nvPr>
             <p:extLst>
               <p:ext uri="{D42A27DB-BD31-4B8C-83A1-F6EECF244321}">
-                <p14:modId xmlns:p14="http://schemas.microsoft.com/office/powerpoint/2010/main" val="3146211731"/>
+                <p14:modId xmlns:p14="http://schemas.microsoft.com/office/powerpoint/2010/main" val="3010167842"/>
               </p:ext>
             </p:extLst>
           </p:nvPr>
@@ -37569,7 +37278,7 @@
                     <a:p>
                       <a:r>
                         <a:rPr lang="es-MX" noProof="0" dirty="0"/>
-                        <a:t>Alfanumérico (VARCHAR)</a:t>
+                        <a:t>Alfanumérico (TINYTEXT)</a:t>
                       </a:r>
                     </a:p>
                   </a:txBody>
@@ -37582,7 +37291,7 @@
                     <a:p>
                       <a:r>
                         <a:rPr lang="es-MX" noProof="0" dirty="0"/>
-                        <a:t>10 caracteres</a:t>
+                        <a:t>255 caracteres</a:t>
                       </a:r>
                     </a:p>
                   </a:txBody>
@@ -37908,7 +37617,7 @@
           <p:nvPr>
             <p:extLst>
               <p:ext uri="{D42A27DB-BD31-4B8C-83A1-F6EECF244321}">
-                <p14:modId xmlns:p14="http://schemas.microsoft.com/office/powerpoint/2010/main" val="1829691962"/>
+                <p14:modId xmlns:p14="http://schemas.microsoft.com/office/powerpoint/2010/main" val="1209978288"/>
               </p:ext>
             </p:extLst>
           </p:nvPr>
@@ -38059,7 +37768,7 @@
                     <a:p>
                       <a:r>
                         <a:rPr lang="es-MX" noProof="0" dirty="0"/>
-                        <a:t>Alfanumérico (VARCHAR)</a:t>
+                        <a:t>Alfanumérico (TINYTEXT)</a:t>
                       </a:r>
                     </a:p>
                   </a:txBody>
@@ -38072,7 +37781,7 @@
                     <a:p>
                       <a:r>
                         <a:rPr lang="es-MX" noProof="0" dirty="0"/>
-                        <a:t>30 caracteres</a:t>
+                        <a:t>255 caracteres</a:t>
                       </a:r>
                     </a:p>
                   </a:txBody>
@@ -38204,7 +37913,7 @@
                       </a:pPr>
                       <a:r>
                         <a:rPr lang="es-MX" noProof="0" dirty="0"/>
-                        <a:t>Alfanumérico (VARCHAR)</a:t>
+                        <a:t>Alfanumérico (TINYTEXT)</a:t>
                       </a:r>
                     </a:p>
                   </a:txBody>
@@ -38234,7 +37943,7 @@
                       </a:pPr>
                       <a:r>
                         <a:rPr lang="es-MX" noProof="0" dirty="0"/>
-                        <a:t>10 caracteres</a:t>
+                        <a:t>255 caracteres</a:t>
                       </a:r>
                     </a:p>
                     <a:p>
@@ -38581,7 +38290,7 @@
           <p:nvPr>
             <p:extLst>
               <p:ext uri="{D42A27DB-BD31-4B8C-83A1-F6EECF244321}">
-                <p14:modId xmlns:p14="http://schemas.microsoft.com/office/powerpoint/2010/main" val="2511653008"/>
+                <p14:modId xmlns:p14="http://schemas.microsoft.com/office/powerpoint/2010/main" val="1512769406"/>
               </p:ext>
             </p:extLst>
           </p:nvPr>
@@ -38732,7 +38441,7 @@
                     <a:p>
                       <a:r>
                         <a:rPr lang="es-MX" noProof="0" dirty="0"/>
-                        <a:t>Numérico (INT)</a:t>
+                        <a:t>Alfanumérico (TINYTEXT)</a:t>
                       </a:r>
                     </a:p>
                   </a:txBody>
@@ -38762,7 +38471,7 @@
                       </a:pPr>
                       <a:r>
                         <a:rPr lang="es-MX" noProof="0" dirty="0"/>
-                        <a:t>0 – 4.2x10^9</a:t>
+                        <a:t>255 caracteres</a:t>
                       </a:r>
                     </a:p>
                   </a:txBody>
@@ -38864,7 +38573,7 @@
                       </a:pPr>
                       <a:r>
                         <a:rPr lang="es-MX" noProof="0" dirty="0"/>
-                        <a:t>3</a:t>
+                        <a:t>3 caracteres</a:t>
                       </a:r>
                     </a:p>
                   </a:txBody>
@@ -38996,7 +38705,7 @@
                       </a:pPr>
                       <a:r>
                         <a:rPr lang="es-MX" noProof="0" dirty="0"/>
-                        <a:t>Alfanumérico (VARCHAR)</a:t>
+                        <a:t>Alfanumérico (TINYTEXT)</a:t>
                       </a:r>
                     </a:p>
                   </a:txBody>
@@ -39026,7 +38735,7 @@
                       </a:pPr>
                       <a:r>
                         <a:rPr lang="es-MX" noProof="0" dirty="0"/>
-                        <a:t>30 caracteres</a:t>
+                        <a:t>255 caracteres</a:t>
                       </a:r>
                     </a:p>
                   </a:txBody>
@@ -39323,7 +39032,7 @@
           <p:nvPr>
             <p:extLst>
               <p:ext uri="{D42A27DB-BD31-4B8C-83A1-F6EECF244321}">
-                <p14:modId xmlns:p14="http://schemas.microsoft.com/office/powerpoint/2010/main" val="2826535133"/>
+                <p14:modId xmlns:p14="http://schemas.microsoft.com/office/powerpoint/2010/main" val="3816906955"/>
               </p:ext>
             </p:extLst>
           </p:nvPr>
@@ -39631,7 +39340,7 @@
                       </a:pPr>
                       <a:r>
                         <a:rPr lang="es-MX" noProof="0" dirty="0"/>
-                        <a:t>Alfanumérico (VARCHAR)</a:t>
+                        <a:t>Alfanumérico (TINYTEXT)</a:t>
                       </a:r>
                     </a:p>
                   </a:txBody>
@@ -39661,7 +39370,7 @@
                       </a:pPr>
                       <a:r>
                         <a:rPr lang="es-MX" noProof="0" dirty="0"/>
-                        <a:t>10 caracteres</a:t>
+                        <a:t>255 caracteres</a:t>
                       </a:r>
                     </a:p>
                   </a:txBody>
@@ -40565,7 +40274,7 @@
           <p:nvPr>
             <p:extLst>
               <p:ext uri="{D42A27DB-BD31-4B8C-83A1-F6EECF244321}">
-                <p14:modId xmlns:p14="http://schemas.microsoft.com/office/powerpoint/2010/main" val="1848853015"/>
+                <p14:modId xmlns:p14="http://schemas.microsoft.com/office/powerpoint/2010/main" val="3653233010"/>
               </p:ext>
             </p:extLst>
           </p:nvPr>
@@ -41687,7 +41396,7 @@
           <a:bodyPr/>
           <a:lstStyle/>
           <a:p>
-            <a:endParaRPr lang="en-US"/>
+            <a:endParaRPr lang="es-MX" noProof="0" dirty="0"/>
           </a:p>
         </p:txBody>
       </p:sp>
@@ -41726,18 +41435,13 @@
           <a:p>
             <a:pPr algn="ctr"/>
             <a:r>
-              <a:rPr lang="es-MX" sz="8800" dirty="0">
+              <a:rPr lang="es-MX" sz="8800" noProof="0" dirty="0">
                 <a:solidFill>
                   <a:schemeClr val="bg1"/>
                 </a:solidFill>
               </a:rPr>
               <a:t>Usuarios</a:t>
             </a:r>
-            <a:endParaRPr lang="en-US" sz="8800" dirty="0">
-              <a:solidFill>
-                <a:schemeClr val="bg1"/>
-              </a:solidFill>
-            </a:endParaRPr>
           </a:p>
         </p:txBody>
       </p:sp>
@@ -41791,7 +41495,7 @@
           <a:lstStyle/>
           <a:p>
             <a:pPr algn="ctr"/>
-            <a:endParaRPr lang="en-US" dirty="0"/>
+            <a:endParaRPr lang="es-MX" noProof="0" dirty="0"/>
           </a:p>
         </p:txBody>
       </p:sp>
@@ -41879,7 +41583,7 @@
           <p:nvPr>
             <p:extLst>
               <p:ext uri="{D42A27DB-BD31-4B8C-83A1-F6EECF244321}">
-                <p14:modId xmlns:p14="http://schemas.microsoft.com/office/powerpoint/2010/main" val="1829358980"/>
+                <p14:modId xmlns:p14="http://schemas.microsoft.com/office/powerpoint/2010/main" val="3444096688"/>
               </p:ext>
             </p:extLst>
           </p:nvPr>
@@ -42515,7 +42219,7 @@
           <a:bodyPr/>
           <a:lstStyle/>
           <a:p>
-            <a:endParaRPr lang="en-US"/>
+            <a:endParaRPr lang="es-MX" noProof="0" dirty="0"/>
           </a:p>
         </p:txBody>
       </p:sp>
@@ -42554,18 +42258,13 @@
           <a:p>
             <a:pPr algn="ctr"/>
             <a:r>
-              <a:rPr lang="es-MX" sz="8800" dirty="0">
+              <a:rPr lang="es-MX" sz="8800" noProof="0" dirty="0">
                 <a:solidFill>
                   <a:schemeClr val="bg1"/>
                 </a:solidFill>
               </a:rPr>
-              <a:t>Requerimientos de la pagina web</a:t>
+              <a:t>Requerimientos de la página web</a:t>
             </a:r>
-            <a:endParaRPr lang="en-US" sz="8800" dirty="0">
-              <a:solidFill>
-                <a:schemeClr val="bg1"/>
-              </a:solidFill>
-            </a:endParaRPr>
           </a:p>
         </p:txBody>
       </p:sp>
@@ -42619,7 +42318,7 @@
           <a:lstStyle/>
           <a:p>
             <a:pPr algn="ctr"/>
-            <a:endParaRPr lang="en-US" dirty="0"/>
+            <a:endParaRPr lang="es-MX" noProof="0" dirty="0"/>
           </a:p>
         </p:txBody>
       </p:sp>
@@ -42676,7 +42375,7 @@
           <a:p>
             <a:r>
               <a:rPr lang="es-MX" sz="4000" noProof="0" dirty="0"/>
-              <a:t>Cantidad de Paginas</a:t>
+              <a:t>Cantidad de Páginas</a:t>
             </a:r>
           </a:p>
         </p:txBody>
@@ -42712,7 +42411,7 @@
             <a:pPr algn="just"/>
             <a:r>
               <a:rPr lang="es-MX" noProof="0" dirty="0"/>
-              <a:t>La cantidad de paginas para este proyecto serán 6:</a:t>
+              <a:t>La cantidad de páginas para este proyecto serán 6:</a:t>
             </a:r>
           </a:p>
           <a:p>
@@ -42722,7 +42421,7 @@
             </a:pPr>
             <a:r>
               <a:rPr lang="es-MX" noProof="0" dirty="0"/>
-              <a:t> Pagina de Inicio de Sesión</a:t>
+              <a:t> Página de Inicio de Sesión</a:t>
             </a:r>
           </a:p>
           <a:p>
@@ -42732,7 +42431,7 @@
             </a:pPr>
             <a:r>
               <a:rPr lang="es-MX" noProof="0" dirty="0"/>
-              <a:t> Pagina de Bienvenida</a:t>
+              <a:t> Página de Bienvenida</a:t>
             </a:r>
           </a:p>
           <a:p>
@@ -42742,7 +42441,7 @@
             </a:pPr>
             <a:r>
               <a:rPr lang="es-MX" noProof="0" dirty="0"/>
-              <a:t> Pagina de </a:t>
+              <a:t> Página de </a:t>
             </a:r>
             <a:r>
               <a:rPr lang="es-MX" noProof="0" dirty="0" err="1"/>
@@ -42757,7 +42456,7 @@
             </a:pPr>
             <a:r>
               <a:rPr lang="es-MX" noProof="0" dirty="0"/>
-              <a:t> Pagina de Cables</a:t>
+              <a:t> Página de Cables</a:t>
             </a:r>
           </a:p>
           <a:p>
@@ -42767,7 +42466,7 @@
             </a:pPr>
             <a:r>
               <a:rPr lang="es-MX" noProof="0" dirty="0"/>
-              <a:t> Pagina de Cintas</a:t>
+              <a:t> Página de Cintas</a:t>
             </a:r>
           </a:p>
           <a:p>
@@ -42777,7 +42476,7 @@
             </a:pPr>
             <a:r>
               <a:rPr lang="es-MX" noProof="0" dirty="0"/>
-              <a:t> Pagina de Tubos</a:t>
+              <a:t> Página de Tubos</a:t>
             </a:r>
           </a:p>
         </p:txBody>
@@ -42847,7 +42546,7 @@
           <a:bodyPr/>
           <a:lstStyle/>
           <a:p>
-            <a:endParaRPr lang="en-US"/>
+            <a:endParaRPr lang="es-MX" noProof="0" dirty="0"/>
           </a:p>
         </p:txBody>
       </p:sp>
@@ -42886,18 +42585,13 @@
           <a:p>
             <a:pPr algn="ctr"/>
             <a:r>
-              <a:rPr lang="es-MX" sz="8800" dirty="0">
+              <a:rPr lang="es-MX" sz="8800" noProof="0" dirty="0">
                 <a:solidFill>
                   <a:schemeClr val="bg1"/>
                 </a:solidFill>
               </a:rPr>
               <a:t>Requerimientos de la base de datos</a:t>
             </a:r>
-            <a:endParaRPr lang="en-US" sz="8800" dirty="0">
-              <a:solidFill>
-                <a:schemeClr val="bg1"/>
-              </a:solidFill>
-            </a:endParaRPr>
           </a:p>
         </p:txBody>
       </p:sp>
@@ -42951,7 +42645,7 @@
           <a:lstStyle/>
           <a:p>
             <a:pPr algn="ctr"/>
-            <a:endParaRPr lang="en-US" dirty="0"/>
+            <a:endParaRPr lang="es-MX" noProof="0" dirty="0"/>
           </a:p>
         </p:txBody>
       </p:sp>
@@ -43014,13 +42708,8 @@
           <a:p>
             <a:r>
               <a:rPr lang="es-MX" sz="4000" noProof="0" dirty="0"/>
-              <a:t>Pagina de Inicio de </a:t>
+              <a:t>Página de Inicio de Sesión</a:t>
             </a:r>
-            <a:r>
-              <a:rPr lang="es-MX" sz="4000" noProof="0" dirty="0" err="1"/>
-              <a:t>Sesion</a:t>
-            </a:r>
-            <a:endParaRPr lang="es-MX" sz="4000" noProof="0" dirty="0"/>
           </a:p>
         </p:txBody>
       </p:sp>
@@ -43055,16 +42744,15 @@
             <a:pPr algn="just"/>
             <a:r>
               <a:rPr lang="es-MX" noProof="0" dirty="0"/>
-              <a:t>Servirá como pagina para controlar el acceso a los usuarios.</a:t>
+              <a:t>Servirá como página para controlar el acceso a los usuarios.</a:t>
             </a:r>
           </a:p>
           <a:p>
             <a:pPr algn="just"/>
             <a:r>
-              <a:rPr lang="es-MX" dirty="0"/>
+              <a:rPr lang="es-MX" noProof="0" dirty="0"/>
               <a:t>Se le pedirá al usuario iniciar sesión con un nombre de usuario y una contraseña.</a:t>
             </a:r>
-            <a:endParaRPr lang="es-MX" noProof="0" dirty="0"/>
           </a:p>
         </p:txBody>
       </p:sp>
@@ -43127,7 +42815,7 @@
           <a:p>
             <a:r>
               <a:rPr lang="es-MX" sz="4000" noProof="0" dirty="0"/>
-              <a:t>Pagina de Bienvenida</a:t>
+              <a:t>Página de Bienvenida</a:t>
             </a:r>
           </a:p>
         </p:txBody>
@@ -43163,21 +42851,21 @@
             <a:pPr algn="just"/>
             <a:r>
               <a:rPr lang="es-MX" noProof="0" dirty="0"/>
-              <a:t>Servirá como pagina principal para los usuarios que hayan iniciado sesión.</a:t>
+              <a:t>Servirá como página principal para los usuarios que hayan iniciado sesión.</a:t>
             </a:r>
           </a:p>
           <a:p>
             <a:pPr algn="just"/>
             <a:r>
               <a:rPr lang="es-MX" noProof="0" dirty="0"/>
-              <a:t>Mostrara un mensaje de bienvenida al usuario.</a:t>
+              <a:t>Mostrará un mensaje de bienvenida al usuario.</a:t>
             </a:r>
           </a:p>
           <a:p>
             <a:pPr algn="just"/>
             <a:r>
               <a:rPr lang="es-MX" noProof="0" dirty="0"/>
-              <a:t>En la parte superior se mostrara un menú con opciones para navegar a las paginas de </a:t>
+              <a:t>En la parte superior se mostrará un menú con opciones para navegar a las páginas de </a:t>
             </a:r>
             <a:r>
               <a:rPr lang="es-MX" noProof="0" dirty="0" err="1"/>
@@ -43256,7 +42944,7 @@
           <a:p>
             <a:r>
               <a:rPr lang="es-MX" sz="4000" noProof="0" dirty="0"/>
-              <a:t>Pagina de </a:t>
+              <a:t>Página de </a:t>
             </a:r>
             <a:r>
               <a:rPr lang="es-MX" sz="4000" noProof="0" dirty="0" err="1"/>
@@ -43297,7 +42985,7 @@
             <a:pPr algn="just"/>
             <a:r>
               <a:rPr lang="es-MX" noProof="0" dirty="0"/>
-              <a:t>Servirá como pagina para la consulta, el registro y seguimiento de los PPAP’s de </a:t>
+              <a:t>Servirá como página para la consulta, el registro y seguimiento de los PPAP’s de </a:t>
             </a:r>
             <a:r>
               <a:rPr lang="es-MX" noProof="0" dirty="0" err="1"/>
@@ -43312,7 +43000,7 @@
             <a:pPr algn="just"/>
             <a:r>
               <a:rPr lang="es-MX" noProof="0" dirty="0"/>
-              <a:t>Contara con:</a:t>
+              <a:t>Contará con:</a:t>
             </a:r>
           </a:p>
           <a:p>
@@ -43340,7 +43028,15 @@
             </a:pPr>
             <a:r>
               <a:rPr lang="es-MX" noProof="0" dirty="0"/>
-              <a:t> 1 formulario de búsqueda por cada campo de la tabla.</a:t>
+              <a:t> 1 formulario de búsqueda </a:t>
+            </a:r>
+            <a:r>
+              <a:rPr lang="es-MX" dirty="0"/>
+              <a:t>con</a:t>
+            </a:r>
+            <a:r>
+              <a:rPr lang="es-MX" noProof="0" dirty="0"/>
+              <a:t> cada campo de la tabla.</a:t>
             </a:r>
           </a:p>
           <a:p>
@@ -43350,31 +43046,15 @@
             </a:pPr>
             <a:r>
               <a:rPr lang="es-MX" noProof="0" dirty="0"/>
-              <a:t> 3 formularios de registro para insertar nueva información a la tabla (por </a:t>
+              <a:t> 3 formularios de registro para insertar nueva información a la tabla (por descripción, ET PN, y </a:t>
             </a:r>
             <a:r>
               <a:rPr lang="es-MX" noProof="0" dirty="0" err="1"/>
-              <a:t>desc</a:t>
-            </a:r>
-            <a:r>
-              <a:rPr lang="es-MX" dirty="0" err="1"/>
-              <a:t>ripción</a:t>
-            </a:r>
-            <a:r>
-              <a:rPr lang="es-MX" dirty="0"/>
-              <a:t>, ET PN, y </a:t>
-            </a:r>
-            <a:r>
-              <a:rPr lang="es-MX" dirty="0" err="1"/>
               <a:t>Cust</a:t>
             </a:r>
             <a:r>
-              <a:rPr lang="es-MX" dirty="0"/>
-              <a:t>. PN</a:t>
-            </a:r>
-            <a:r>
               <a:rPr lang="es-MX" noProof="0" dirty="0"/>
-              <a:t>).</a:t>
+              <a:t>. PN).</a:t>
             </a:r>
           </a:p>
           <a:p>
@@ -43400,15 +43080,15 @@
           <a:p>
             <a:pPr algn="just"/>
             <a:r>
-              <a:rPr lang="es-MX" dirty="0"/>
-              <a:t>En la parte superior se mostrara un menú con opciones para navegar a las paginas de </a:t>
+              <a:rPr lang="es-MX" noProof="0" dirty="0"/>
+              <a:t>En la parte superior se mostrará un menú con opciones para navegar a las páginas de </a:t>
             </a:r>
             <a:r>
-              <a:rPr lang="es-MX" dirty="0" err="1"/>
+              <a:rPr lang="es-MX" noProof="0" dirty="0" err="1"/>
               <a:t>BluSeal</a:t>
             </a:r>
             <a:r>
-              <a:rPr lang="es-MX" dirty="0"/>
+              <a:rPr lang="es-MX" noProof="0" dirty="0"/>
               <a:t>, cables, cintas y tubos.</a:t>
             </a:r>
           </a:p>
@@ -43488,7 +43168,7 @@
           <a:p>
             <a:r>
               <a:rPr lang="es-MX" sz="4000" noProof="0" dirty="0"/>
-              <a:t>Pagina de </a:t>
+              <a:t>Página de </a:t>
             </a:r>
             <a:r>
               <a:rPr lang="es-MX" sz="4000" noProof="0" dirty="0" err="1"/>
@@ -43534,68 +43214,34 @@
               <a:buChar char="Ø"/>
             </a:pPr>
             <a:r>
-              <a:rPr lang="es-MX" dirty="0"/>
-              <a:t>Se mostraran con fondo blanco los registros de los cuales no se </a:t>
+              <a:rPr lang="es-MX" noProof="0" dirty="0"/>
+              <a:t>Se mostrarán con fondo blanco los registros de los cuales no se hayan solicitado </a:t>
             </a:r>
             <a:r>
-              <a:rPr lang="en-US" dirty="0" err="1"/>
-              <a:t>han</a:t>
+              <a:rPr lang="es-MX" noProof="0" dirty="0" err="1"/>
+              <a:t>PPAP’s</a:t>
             </a:r>
             <a:r>
-              <a:rPr lang="en-US" dirty="0"/>
-              <a:t> </a:t>
+              <a:rPr lang="es-MX" noProof="0" dirty="0"/>
+              <a:t>.</a:t>
             </a:r>
+          </a:p>
+          <a:p>
+            <a:pPr marL="569214" lvl="1" indent="-285750" algn="just">
+              <a:buFont typeface="Wingdings" panose="05000000000000000000" pitchFamily="2" charset="2"/>
+              <a:buChar char="Ø"/>
+            </a:pPr>
             <a:r>
-              <a:rPr lang="en-US" dirty="0" err="1"/>
-              <a:t>solicitado</a:t>
-            </a:r>
-            <a:r>
-              <a:rPr lang="en-US" dirty="0"/>
-              <a:t> PPAP’s, es </a:t>
-            </a:r>
-            <a:r>
-              <a:rPr lang="en-US" dirty="0" err="1"/>
-              <a:t>decir</a:t>
-            </a:r>
-            <a:r>
-              <a:rPr lang="en-US" dirty="0"/>
-              <a:t>, </a:t>
-            </a:r>
-            <a:r>
-              <a:rPr lang="en-US" dirty="0" err="1"/>
-              <a:t>los</a:t>
-            </a:r>
-            <a:r>
-              <a:rPr lang="en-US" dirty="0"/>
-              <a:t> campos “PPAP Requested</a:t>
+              <a:rPr lang="es-MX" noProof="0" dirty="0"/>
+              <a:t>Se mostrarán con fondo amarillo los registros </a:t>
             </a:r>
             <a:r>
               <a:rPr lang="es-MX" dirty="0"/>
-              <a:t>”, “</a:t>
+              <a:t>a los que se les hayan </a:t>
             </a:r>
             <a:r>
-              <a:rPr lang="en-US" dirty="0"/>
-              <a:t>Signed date</a:t>
-            </a:r>
-            <a:r>
-              <a:rPr lang="es-MX" dirty="0"/>
-              <a:t>” y “</a:t>
-            </a:r>
-            <a:r>
-              <a:rPr lang="en-US" dirty="0"/>
-              <a:t>Customer</a:t>
-            </a:r>
-            <a:r>
-              <a:rPr lang="es-MX" dirty="0"/>
-              <a:t>” </a:t>
-            </a:r>
-            <a:r>
-              <a:rPr lang="es-MX" dirty="0" err="1"/>
-              <a:t>esten</a:t>
-            </a:r>
-            <a:r>
-              <a:rPr lang="es-MX" dirty="0"/>
-              <a:t> vacíos.</a:t>
+              <a:rPr lang="es-MX" noProof="0" dirty="0"/>
+              <a:t>solicitado PPAP y que no se haya recibido la documentación firmada por el cliente.</a:t>
             </a:r>
           </a:p>
           <a:p>
@@ -43605,40 +43251,9 @@
             </a:pPr>
             <a:r>
               <a:rPr lang="es-MX" dirty="0"/>
-              <a:t>Se mostraran con fondo amarillo los registros cuando el campo “</a:t>
+              <a:t>Se mostrarán con fondo verde los registros a los que se les hayan solicitado PPAP y que se haya recibido la documentación firmada por el cliente.</a:t>
             </a:r>
-            <a:r>
-              <a:rPr lang="en-US" dirty="0"/>
-              <a:t>PPAP Requested</a:t>
-            </a:r>
-            <a:r>
-              <a:rPr lang="es-MX" dirty="0"/>
-              <a:t>” no este </a:t>
-            </a:r>
-            <a:r>
-              <a:rPr lang="es-MX" dirty="0" err="1"/>
-              <a:t>vacio</a:t>
-            </a:r>
-            <a:r>
-              <a:rPr lang="es-MX" dirty="0"/>
-              <a:t>, y el campo “</a:t>
-            </a:r>
-            <a:r>
-              <a:rPr lang="en-US" dirty="0"/>
-              <a:t>Signed date</a:t>
-            </a:r>
-            <a:r>
-              <a:rPr lang="es-MX" dirty="0"/>
-              <a:t>” se encuentre </a:t>
-            </a:r>
-            <a:r>
-              <a:rPr lang="es-MX" dirty="0" err="1"/>
-              <a:t>vacio</a:t>
-            </a:r>
-            <a:r>
-              <a:rPr lang="es-MX" dirty="0"/>
-              <a:t>.</a:t>
-            </a:r>
+            <a:endParaRPr lang="es-MX" noProof="0" dirty="0"/>
           </a:p>
           <a:p>
             <a:pPr marL="569214" lvl="1" indent="-285750" algn="just">
@@ -43646,100 +43261,17 @@
               <a:buChar char="Ø"/>
             </a:pPr>
             <a:r>
-              <a:rPr lang="es-MX" dirty="0"/>
-              <a:t>Se mostraran con fondo verde los registros cuando los campos “</a:t>
+              <a:rPr lang="es-MX" noProof="0" dirty="0"/>
+              <a:t>En el campo “</a:t>
             </a:r>
             <a:r>
-              <a:rPr lang="en-US" dirty="0"/>
-              <a:t>PPAP Requested</a:t>
+              <a:rPr lang="es-MX" noProof="0" dirty="0" err="1"/>
+              <a:t>Received</a:t>
             </a:r>
             <a:r>
-              <a:rPr lang="es-MX" dirty="0"/>
-              <a:t>” y “</a:t>
+              <a:rPr lang="es-MX" noProof="0" dirty="0"/>
+              <a:t> Date” permitirá mostrar una nota para marcar o desmarcar los campos “PPAP ET” e “IMDS ET”.</a:t>
             </a:r>
-            <a:r>
-              <a:rPr lang="en-US" dirty="0"/>
-              <a:t>Signed date</a:t>
-            </a:r>
-            <a:r>
-              <a:rPr lang="es-MX" dirty="0"/>
-              <a:t>” no </a:t>
-            </a:r>
-            <a:r>
-              <a:rPr lang="es-MX" dirty="0" err="1"/>
-              <a:t>esten</a:t>
-            </a:r>
-            <a:r>
-              <a:rPr lang="es-MX" dirty="0"/>
-              <a:t> vacíos.</a:t>
-            </a:r>
-          </a:p>
-          <a:p>
-            <a:pPr marL="569214" lvl="1" indent="-285750" algn="just">
-              <a:buFont typeface="Wingdings" panose="05000000000000000000" pitchFamily="2" charset="2"/>
-              <a:buChar char="Ø"/>
-            </a:pPr>
-            <a:r>
-              <a:rPr lang="en-US" dirty="0"/>
-              <a:t>En </a:t>
-            </a:r>
-            <a:r>
-              <a:rPr lang="en-US" dirty="0" err="1"/>
-              <a:t>el</a:t>
-            </a:r>
-            <a:r>
-              <a:rPr lang="en-US" dirty="0"/>
-              <a:t> campo “Received Date” </a:t>
-            </a:r>
-            <a:r>
-              <a:rPr lang="en-US" dirty="0" err="1"/>
-              <a:t>permitira</a:t>
-            </a:r>
-            <a:r>
-              <a:rPr lang="en-US" dirty="0"/>
-              <a:t> </a:t>
-            </a:r>
-            <a:r>
-              <a:rPr lang="en-US" dirty="0" err="1"/>
-              <a:t>mostrar</a:t>
-            </a:r>
-            <a:r>
-              <a:rPr lang="en-US" dirty="0"/>
-              <a:t> </a:t>
-            </a:r>
-            <a:r>
-              <a:rPr lang="en-US" dirty="0" err="1"/>
-              <a:t>una</a:t>
-            </a:r>
-            <a:r>
-              <a:rPr lang="en-US" dirty="0"/>
-              <a:t> nota para </a:t>
-            </a:r>
-            <a:r>
-              <a:rPr lang="en-US" dirty="0" err="1"/>
-              <a:t>marcar</a:t>
-            </a:r>
-            <a:r>
-              <a:rPr lang="en-US" dirty="0"/>
-              <a:t> o </a:t>
-            </a:r>
-            <a:r>
-              <a:rPr lang="en-US" dirty="0" err="1"/>
-              <a:t>desmarcar</a:t>
-            </a:r>
-            <a:r>
-              <a:rPr lang="en-US" dirty="0"/>
-              <a:t> </a:t>
-            </a:r>
-            <a:r>
-              <a:rPr lang="en-US" dirty="0" err="1"/>
-              <a:t>los</a:t>
-            </a:r>
-            <a:r>
-              <a:rPr lang="en-US" dirty="0"/>
-              <a:t> campos “PPAP ET” e “IMDS ET”.</a:t>
-            </a:r>
-            <a:endParaRPr lang="es-MX" dirty="0"/>
           </a:p>
         </p:txBody>
       </p:sp>
@@ -43802,7 +43334,7 @@
           <a:p>
             <a:r>
               <a:rPr lang="es-MX" sz="4000" noProof="0" dirty="0"/>
-              <a:t>Pagina de Cables</a:t>
+              <a:t>Página de Cables</a:t>
             </a:r>
           </a:p>
         </p:txBody>
@@ -43838,14 +43370,14 @@
             <a:pPr algn="just"/>
             <a:r>
               <a:rPr lang="es-MX" noProof="0" dirty="0"/>
-              <a:t>Servirá como pagina para la consulta, el registro y seguimiento de los PPAP's de cables.</a:t>
+              <a:t>Servirá como página para la consulta, el registro y seguimiento de los PPAP's de cables.</a:t>
             </a:r>
           </a:p>
           <a:p>
             <a:pPr algn="just"/>
             <a:r>
               <a:rPr lang="es-MX" noProof="0" dirty="0"/>
-              <a:t>Contara con:</a:t>
+              <a:t>Contará con:</a:t>
             </a:r>
           </a:p>
           <a:p>
@@ -43864,8 +43396,16 @@
               <a:buChar char="ü"/>
             </a:pPr>
             <a:r>
+              <a:rPr lang="es-MX" noProof="0" dirty="0"/>
+              <a:t> 1 formulario de búsqueda </a:t>
+            </a:r>
+            <a:r>
               <a:rPr lang="es-MX" dirty="0"/>
-              <a:t> 1 formulario de búsqueda por cada campo de la tabla.</a:t>
+              <a:t>con</a:t>
+            </a:r>
+            <a:r>
+              <a:rPr lang="es-MX" noProof="0" dirty="0"/>
+              <a:t> cada campo de la tabla.</a:t>
             </a:r>
           </a:p>
           <a:p>
@@ -43874,15 +43414,15 @@
               <a:buChar char="ü"/>
             </a:pPr>
             <a:r>
-              <a:rPr lang="es-MX" dirty="0"/>
+              <a:rPr lang="es-MX" noProof="0" dirty="0"/>
               <a:t> 3 formularios de registro para insertar nueva información a la tabla (por descripción, ET PN, y </a:t>
             </a:r>
             <a:r>
-              <a:rPr lang="es-MX" dirty="0" err="1"/>
+              <a:rPr lang="es-MX" noProof="0" dirty="0" err="1"/>
               <a:t>Cust</a:t>
             </a:r>
             <a:r>
-              <a:rPr lang="es-MX" dirty="0"/>
+              <a:rPr lang="es-MX" noProof="0" dirty="0"/>
               <a:t>. PN).</a:t>
             </a:r>
           </a:p>
@@ -43892,7 +43432,7 @@
               <a:buChar char="ü"/>
             </a:pPr>
             <a:r>
-              <a:rPr lang="es-MX" dirty="0"/>
+              <a:rPr lang="es-MX" noProof="0" dirty="0"/>
               <a:t> 1 formulario de edición para editar información de la tabla. </a:t>
             </a:r>
           </a:p>
@@ -43902,25 +43442,24 @@
               <a:buChar char="ü"/>
             </a:pPr>
             <a:r>
-              <a:rPr lang="es-MX" dirty="0"/>
+              <a:rPr lang="es-MX" noProof="0" dirty="0"/>
               <a:t> 1 función para eliminar registros de la tabla.</a:t>
             </a:r>
           </a:p>
           <a:p>
             <a:pPr algn="just"/>
             <a:r>
-              <a:rPr lang="es-MX" dirty="0"/>
-              <a:t>En la parte superior se mostrara un menú con opciones para navegar a las paginas de </a:t>
+              <a:rPr lang="es-MX" noProof="0" dirty="0"/>
+              <a:t>En la parte superior se mostrará un menú con opciones para navegar a las páginas de </a:t>
             </a:r>
             <a:r>
-              <a:rPr lang="es-MX" dirty="0" err="1"/>
+              <a:rPr lang="es-MX" noProof="0" dirty="0" err="1"/>
               <a:t>BluSeal</a:t>
             </a:r>
             <a:r>
-              <a:rPr lang="es-MX" dirty="0"/>
+              <a:rPr lang="es-MX" noProof="0" dirty="0"/>
               <a:t>, cables, cintas y tubos.</a:t>
             </a:r>
-            <a:endParaRPr lang="es-MX" noProof="0" dirty="0"/>
           </a:p>
           <a:p>
             <a:pPr algn="just"/>
@@ -43994,7 +43533,7 @@
           <a:p>
             <a:r>
               <a:rPr lang="es-MX" sz="4000" noProof="0" dirty="0"/>
-              <a:t>Pagina de Cables - Funciones</a:t>
+              <a:t>Página de Cables - Funciones</a:t>
             </a:r>
           </a:p>
         </p:txBody>
@@ -44032,68 +43571,16 @@
               <a:buChar char="Ø"/>
             </a:pPr>
             <a:r>
-              <a:rPr lang="es-MX" dirty="0"/>
-              <a:t>Se mostraran con fondo blanco los registros de los cuales no se </a:t>
-            </a:r>
-            <a:r>
-              <a:rPr lang="en-US" dirty="0" err="1"/>
-              <a:t>han</a:t>
-            </a:r>
-            <a:r>
-              <a:rPr lang="en-US" dirty="0"/>
-              <a:t> </a:t>
-            </a:r>
-            <a:r>
-              <a:rPr lang="en-US" dirty="0" err="1"/>
-              <a:t>solicitado</a:t>
-            </a:r>
-            <a:r>
-              <a:rPr lang="en-US" dirty="0"/>
-              <a:t> PPAP’s, es </a:t>
-            </a:r>
-            <a:r>
-              <a:rPr lang="en-US" dirty="0" err="1"/>
-              <a:t>decir</a:t>
-            </a:r>
-            <a:r>
-              <a:rPr lang="en-US" dirty="0"/>
-              <a:t>, </a:t>
-            </a:r>
-            <a:r>
-              <a:rPr lang="en-US" dirty="0" err="1"/>
-              <a:t>los</a:t>
-            </a:r>
-            <a:r>
-              <a:rPr lang="en-US" dirty="0"/>
-              <a:t> campos “PPAP Requested</a:t>
+              <a:rPr lang="es-MX" noProof="0" dirty="0"/>
+              <a:t>Se mostrarán con fondo blanco los registros de los cuales no se hayan solicitado PPAP</a:t>
             </a:r>
             <a:r>
               <a:rPr lang="es-MX" dirty="0"/>
-              <a:t>”, “</a:t>
+              <a:t>’</a:t>
             </a:r>
             <a:r>
-              <a:rPr lang="en-US" dirty="0"/>
-              <a:t>Signed date</a:t>
-            </a:r>
-            <a:r>
-              <a:rPr lang="es-MX" dirty="0"/>
-              <a:t>” y “</a:t>
-            </a:r>
-            <a:r>
-              <a:rPr lang="en-US" dirty="0"/>
-              <a:t>Customer</a:t>
-            </a:r>
-            <a:r>
-              <a:rPr lang="es-MX" dirty="0"/>
-              <a:t>” </a:t>
-            </a:r>
-            <a:r>
-              <a:rPr lang="es-MX" dirty="0" err="1"/>
-              <a:t>esten</a:t>
-            </a:r>
-            <a:r>
-              <a:rPr lang="es-MX" dirty="0"/>
-              <a:t> vacíos.</a:t>
+              <a:rPr lang="es-MX" noProof="0" dirty="0"/>
+              <a:t>s.</a:t>
             </a:r>
           </a:p>
           <a:p>
@@ -44103,39 +43590,7 @@
             </a:pPr>
             <a:r>
               <a:rPr lang="es-MX" dirty="0"/>
-              <a:t>Se mostraran con fondo amarillo los registros cuando el campo “</a:t>
-            </a:r>
-            <a:r>
-              <a:rPr lang="en-US" dirty="0"/>
-              <a:t>PPAP Requested</a:t>
-            </a:r>
-            <a:r>
-              <a:rPr lang="es-MX" dirty="0"/>
-              <a:t>” no este </a:t>
-            </a:r>
-            <a:r>
-              <a:rPr lang="es-MX" dirty="0" err="1"/>
-              <a:t>vacio</a:t>
-            </a:r>
-            <a:r>
-              <a:rPr lang="es-MX" dirty="0"/>
-              <a:t>, y el campo “</a:t>
-            </a:r>
-            <a:r>
-              <a:rPr lang="en-US" dirty="0"/>
-              <a:t>Signed date</a:t>
-            </a:r>
-            <a:r>
-              <a:rPr lang="es-MX" dirty="0"/>
-              <a:t>” se encuentre </a:t>
-            </a:r>
-            <a:r>
-              <a:rPr lang="es-MX" dirty="0" err="1"/>
-              <a:t>vacio</a:t>
-            </a:r>
-            <a:r>
-              <a:rPr lang="es-MX" dirty="0"/>
-              <a:t>.</a:t>
+              <a:t>Se mostrarán con fondo amarillo los registros a los que se les hayan solicitado PPAP y que no se haya recibido la documentación firmada por el cliente.</a:t>
             </a:r>
           </a:p>
           <a:p>
@@ -44145,32 +43600,9 @@
             </a:pPr>
             <a:r>
               <a:rPr lang="es-MX" dirty="0"/>
-              <a:t>Se mostraran con fondo verde los registros cuando los campos “</a:t>
+              <a:t>Se mostrarán con fondo verde los registros a los que se les hayan solicitado PPAP y que se haya recibido la documentación firmada por el cliente.</a:t>
             </a:r>
-            <a:r>
-              <a:rPr lang="en-US" dirty="0"/>
-              <a:t>PPAP Requested</a:t>
-            </a:r>
-            <a:r>
-              <a:rPr lang="es-MX" dirty="0"/>
-              <a:t>” y “</a:t>
-            </a:r>
-            <a:r>
-              <a:rPr lang="en-US" dirty="0"/>
-              <a:t>Signed date</a:t>
-            </a:r>
-            <a:r>
-              <a:rPr lang="es-MX" dirty="0"/>
-              <a:t>” no </a:t>
-            </a:r>
-            <a:r>
-              <a:rPr lang="es-MX" dirty="0" err="1"/>
-              <a:t>esten</a:t>
-            </a:r>
-            <a:r>
-              <a:rPr lang="es-MX" dirty="0"/>
-              <a:t> vacíos.</a:t>
-            </a:r>
+            <a:endParaRPr lang="es-MX" noProof="0" dirty="0"/>
           </a:p>
           <a:p>
             <a:pPr marL="569214" lvl="1" indent="-285750" algn="just">
@@ -44178,66 +43610,17 @@
               <a:buChar char="Ø"/>
             </a:pPr>
             <a:r>
-              <a:rPr lang="en-US" dirty="0"/>
-              <a:t>En </a:t>
+              <a:rPr lang="es-MX" noProof="0" dirty="0"/>
+              <a:t>En el campo “</a:t>
             </a:r>
             <a:r>
-              <a:rPr lang="en-US" dirty="0" err="1"/>
-              <a:t>el</a:t>
+              <a:rPr lang="es-MX" noProof="0" dirty="0" err="1"/>
+              <a:t>Received</a:t>
             </a:r>
             <a:r>
-              <a:rPr lang="en-US" dirty="0"/>
-              <a:t> campo “Received Date” </a:t>
+              <a:rPr lang="es-MX" noProof="0" dirty="0"/>
+              <a:t> Date” permitirá mostrar una nota para marcar o desmarcar los campos “PSW ET” e “IMDS ET”.</a:t>
             </a:r>
-            <a:r>
-              <a:rPr lang="en-US" dirty="0" err="1"/>
-              <a:t>permitira</a:t>
-            </a:r>
-            <a:r>
-              <a:rPr lang="en-US" dirty="0"/>
-              <a:t> </a:t>
-            </a:r>
-            <a:r>
-              <a:rPr lang="en-US" dirty="0" err="1"/>
-              <a:t>mostrar</a:t>
-            </a:r>
-            <a:r>
-              <a:rPr lang="en-US" dirty="0"/>
-              <a:t> </a:t>
-            </a:r>
-            <a:r>
-              <a:rPr lang="en-US" dirty="0" err="1"/>
-              <a:t>una</a:t>
-            </a:r>
-            <a:r>
-              <a:rPr lang="en-US" dirty="0"/>
-              <a:t> nota para </a:t>
-            </a:r>
-            <a:r>
-              <a:rPr lang="en-US" dirty="0" err="1"/>
-              <a:t>marcar</a:t>
-            </a:r>
-            <a:r>
-              <a:rPr lang="en-US" dirty="0"/>
-              <a:t> o </a:t>
-            </a:r>
-            <a:r>
-              <a:rPr lang="en-US" dirty="0" err="1"/>
-              <a:t>desmarcar</a:t>
-            </a:r>
-            <a:r>
-              <a:rPr lang="en-US" dirty="0"/>
-              <a:t> </a:t>
-            </a:r>
-            <a:r>
-              <a:rPr lang="en-US" dirty="0" err="1"/>
-              <a:t>los</a:t>
-            </a:r>
-            <a:r>
-              <a:rPr lang="en-US" dirty="0"/>
-              <a:t> campos “PSW ET” e “IMDS ET”.</a:t>
-            </a:r>
-            <a:endParaRPr lang="es-MX" dirty="0"/>
           </a:p>
         </p:txBody>
       </p:sp>
@@ -44300,7 +43683,7 @@
           <a:p>
             <a:r>
               <a:rPr lang="es-MX" sz="4000" noProof="0" dirty="0"/>
-              <a:t>Pagina de Cintas</a:t>
+              <a:t>Página de Cintas</a:t>
             </a:r>
           </a:p>
         </p:txBody>
@@ -44336,14 +43719,14 @@
             <a:pPr algn="just"/>
             <a:r>
               <a:rPr lang="es-MX" noProof="0" dirty="0"/>
-              <a:t>Servirá como pagina para la consulta, el registro y seguimiento de los PPAP's de cintas.</a:t>
+              <a:t>Servirá como página para la consulta, el registro y seguimiento de los PPAP's de cintas.</a:t>
             </a:r>
           </a:p>
           <a:p>
             <a:pPr algn="just"/>
             <a:r>
               <a:rPr lang="es-MX" noProof="0" dirty="0"/>
-              <a:t>Contara con:</a:t>
+              <a:t>Contará con:</a:t>
             </a:r>
           </a:p>
           <a:p>
@@ -44362,8 +43745,16 @@
               <a:buChar char="ü"/>
             </a:pPr>
             <a:r>
+              <a:rPr lang="es-MX" noProof="0" dirty="0"/>
+              <a:t> 1 formulario de búsqueda </a:t>
+            </a:r>
+            <a:r>
               <a:rPr lang="es-MX" dirty="0"/>
-              <a:t> 1 formulario de búsqueda por cada campo de la tabla.</a:t>
+              <a:t>con</a:t>
+            </a:r>
+            <a:r>
+              <a:rPr lang="es-MX" noProof="0" dirty="0"/>
+              <a:t> cada campo de la tabla.</a:t>
             </a:r>
           </a:p>
           <a:p>
@@ -44372,15 +43763,15 @@
               <a:buChar char="ü"/>
             </a:pPr>
             <a:r>
-              <a:rPr lang="es-MX" dirty="0"/>
+              <a:rPr lang="es-MX" noProof="0" dirty="0"/>
               <a:t> 3 formularios de registro para insertar nueva información a la tabla (por descripción, ET PN, y </a:t>
             </a:r>
             <a:r>
-              <a:rPr lang="es-MX" dirty="0" err="1"/>
+              <a:rPr lang="es-MX" noProof="0" dirty="0" err="1"/>
               <a:t>Cust</a:t>
             </a:r>
             <a:r>
-              <a:rPr lang="es-MX" dirty="0"/>
+              <a:rPr lang="es-MX" noProof="0" dirty="0"/>
               <a:t>. PN).</a:t>
             </a:r>
           </a:p>
@@ -44390,7 +43781,7 @@
               <a:buChar char="ü"/>
             </a:pPr>
             <a:r>
-              <a:rPr lang="es-MX" dirty="0"/>
+              <a:rPr lang="es-MX" noProof="0" dirty="0"/>
               <a:t> 1 formulario de edición para editar información de la tabla.</a:t>
             </a:r>
           </a:p>
@@ -44400,25 +43791,24 @@
               <a:buChar char="ü"/>
             </a:pPr>
             <a:r>
-              <a:rPr lang="es-MX" dirty="0"/>
+              <a:rPr lang="es-MX" noProof="0" dirty="0"/>
               <a:t> 1 función para eliminar registros de la tabla.</a:t>
             </a:r>
           </a:p>
           <a:p>
             <a:pPr algn="just"/>
             <a:r>
-              <a:rPr lang="es-MX" dirty="0"/>
-              <a:t>En la parte superior se mostrara un menú con opciones para navegar a las paginas de </a:t>
+              <a:rPr lang="es-MX" noProof="0" dirty="0"/>
+              <a:t>En la parte superior se mostrará un menú con opciones para navegar a las páginas de </a:t>
             </a:r>
             <a:r>
-              <a:rPr lang="es-MX" dirty="0" err="1"/>
+              <a:rPr lang="es-MX" noProof="0" dirty="0" err="1"/>
               <a:t>BluSeal</a:t>
             </a:r>
             <a:r>
-              <a:rPr lang="es-MX" dirty="0"/>
+              <a:rPr lang="es-MX" noProof="0" dirty="0"/>
               <a:t>, cables, cintas y tubos.</a:t>
             </a:r>
-            <a:endParaRPr lang="es-MX" noProof="0" dirty="0"/>
           </a:p>
           <a:p>
             <a:pPr algn="just"/>
@@ -44492,7 +43882,7 @@
           <a:p>
             <a:r>
               <a:rPr lang="es-MX" sz="4000" noProof="0" dirty="0"/>
-              <a:t>Pagina de Cintas - Funciones</a:t>
+              <a:t>Página de Cintas - Funciones</a:t>
             </a:r>
           </a:p>
         </p:txBody>
@@ -44531,47 +43921,11 @@
             </a:pPr>
             <a:r>
               <a:rPr lang="es-MX" dirty="0"/>
-              <a:t>En el caso de que se quiera registrar una renovación en un registro que no tenga renovaciones registradas, se calculara la fecha de renovación del siguiente a</a:t>
+              <a:t>S</a:t>
             </a:r>
             <a:r>
-              <a:rPr lang="en-US" dirty="0" err="1"/>
-              <a:t>ño</a:t>
-            </a:r>
-            <a:r>
-              <a:rPr lang="en-US" dirty="0"/>
-              <a:t>, </a:t>
-            </a:r>
-            <a:r>
-              <a:rPr lang="en-US" dirty="0" err="1"/>
-              <a:t>comparando</a:t>
-            </a:r>
-            <a:r>
-              <a:rPr lang="en-US" dirty="0"/>
-              <a:t> la </a:t>
-            </a:r>
-            <a:r>
-              <a:rPr lang="en-US" dirty="0" err="1"/>
-              <a:t>fecha</a:t>
-            </a:r>
-            <a:r>
-              <a:rPr lang="en-US" dirty="0"/>
-              <a:t> del campo “1) Returned from CTC 2) Sent to Customer” y </a:t>
-            </a:r>
-            <a:r>
-              <a:rPr lang="en-US" dirty="0" err="1"/>
-              <a:t>sumandole</a:t>
-            </a:r>
-            <a:r>
-              <a:rPr lang="en-US" dirty="0"/>
-              <a:t> 365 </a:t>
-            </a:r>
-            <a:r>
-              <a:rPr lang="en-US" dirty="0" err="1"/>
-              <a:t>dias</a:t>
-            </a:r>
-            <a:r>
-              <a:rPr lang="en-US" dirty="0"/>
-              <a:t>.</a:t>
+              <a:rPr lang="es-MX" noProof="0" dirty="0"/>
+              <a:t>e calculará la fecha de renovación del año a registrar.</a:t>
             </a:r>
           </a:p>
           <a:p>
@@ -44581,83 +43935,38 @@
             </a:pPr>
             <a:r>
               <a:rPr lang="es-MX" dirty="0"/>
-              <a:t>En el caso de que se quiera registrar una renovación en un registro que tenga al menos una </a:t>
+              <a:t>Se mostrarán con fondo verde los registros cuando:</a:t>
             </a:r>
-            <a:r>
-              <a:rPr lang="es-MX" dirty="0" err="1"/>
-              <a:t>renovacion</a:t>
-            </a:r>
+          </a:p>
+          <a:p>
+            <a:pPr marL="852678" lvl="2" indent="-285750" algn="just">
+              <a:buFont typeface="Courier New" panose="02070309020205020404" pitchFamily="49" charset="0"/>
+              <a:buChar char="o"/>
+            </a:pPr>
             <a:r>
               <a:rPr lang="es-MX" dirty="0"/>
-              <a:t> registrada, se calculara la fecha de renovación del a</a:t>
+              <a:t>El PPAP se haya enviado al cliente y el PSW se encuentre firmado.</a:t>
             </a:r>
-            <a:r>
-              <a:rPr lang="en-US" dirty="0" err="1"/>
-              <a:t>ño</a:t>
-            </a:r>
-            <a:r>
-              <a:rPr lang="en-US" dirty="0"/>
-              <a:t> a registrar, </a:t>
-            </a:r>
-            <a:r>
-              <a:rPr lang="en-US" dirty="0" err="1"/>
-              <a:t>comparando</a:t>
-            </a:r>
-            <a:r>
-              <a:rPr lang="en-US" dirty="0"/>
-              <a:t> la </a:t>
-            </a:r>
-            <a:r>
-              <a:rPr lang="en-US" dirty="0" err="1"/>
-              <a:t>fecha</a:t>
-            </a:r>
-            <a:r>
-              <a:rPr lang="en-US" dirty="0"/>
-              <a:t> del campo “Renewal Date” de la ultima </a:t>
-            </a:r>
-            <a:r>
-              <a:rPr lang="en-US" dirty="0" err="1"/>
-              <a:t>renovacion</a:t>
-            </a:r>
-            <a:r>
-              <a:rPr lang="en-US" dirty="0"/>
-              <a:t> </a:t>
-            </a:r>
-            <a:r>
-              <a:rPr lang="en-US" dirty="0" err="1"/>
-              <a:t>registrada</a:t>
-            </a:r>
-            <a:r>
-              <a:rPr lang="en-US" dirty="0"/>
-              <a:t>, y se le </a:t>
-            </a:r>
-            <a:r>
-              <a:rPr lang="en-US" dirty="0" err="1"/>
-              <a:t>sumaran</a:t>
-            </a:r>
-            <a:r>
-              <a:rPr lang="en-US" dirty="0"/>
-              <a:t> 365 </a:t>
-            </a:r>
-            <a:r>
-              <a:rPr lang="en-US" dirty="0" err="1"/>
-              <a:t>dias</a:t>
-            </a:r>
-            <a:r>
-              <a:rPr lang="en-US" dirty="0"/>
-              <a:t>.</a:t>
-            </a:r>
-            <a:endParaRPr lang="es-MX" dirty="0"/>
           </a:p>
           <a:p>
-            <a:pPr algn="just"/>
-            <a:endParaRPr lang="es-MX" noProof="0" dirty="0"/>
+            <a:pPr marL="569214" lvl="1" indent="-285750" algn="just">
+              <a:buFont typeface="Wingdings" panose="05000000000000000000" pitchFamily="2" charset="2"/>
+              <a:buChar char="Ø"/>
+            </a:pPr>
+            <a:r>
+              <a:rPr lang="es-MX" dirty="0"/>
+              <a:t>Se mostrarán con fondo rojo los registros cuando: </a:t>
+            </a:r>
           </a:p>
           <a:p>
-            <a:pPr marL="285750" indent="-285750" algn="just">
-              <a:buFont typeface="Arial" panose="020B0604020202020204" pitchFamily="34" charset="0"/>
-              <a:buChar char="•"/>
+            <a:pPr marL="898398" lvl="3" indent="-285750" algn="just">
+              <a:buFont typeface="Courier New" panose="02070309020205020404" pitchFamily="49" charset="0"/>
+              <a:buChar char="o"/>
             </a:pPr>
+            <a:r>
+              <a:rPr lang="es-MX" dirty="0"/>
+              <a:t>El PPAP se haya enviado al cliente y el PSW no se encuentre firmado.</a:t>
+            </a:r>
             <a:endParaRPr lang="es-MX" noProof="0" dirty="0"/>
           </a:p>
         </p:txBody>
@@ -44683,7 +43992,7 @@
         <p:cNvPr id="1" name="">
           <a:extLst>
             <a:ext uri="{FF2B5EF4-FFF2-40B4-BE49-F238E27FC236}">
-              <a16:creationId xmlns:a16="http://schemas.microsoft.com/office/drawing/2014/main" id="{5DAAC1D7-EB32-C001-B9F1-E1BACC53F05F}"/>
+              <a16:creationId xmlns:a16="http://schemas.microsoft.com/office/drawing/2014/main" id="{E344BD5F-A310-1838-1558-8C25BEED69BE}"/>
             </a:ext>
           </a:extLst>
         </p:cNvPr>
@@ -44703,7 +44012,7 @@
           <p:cNvPr id="2" name="Title 1">
             <a:extLst>
               <a:ext uri="{FF2B5EF4-FFF2-40B4-BE49-F238E27FC236}">
-                <a16:creationId xmlns:a16="http://schemas.microsoft.com/office/drawing/2014/main" id="{A3B1090A-D973-F5DA-E5AD-97D150BA8BA6}"/>
+                <a16:creationId xmlns:a16="http://schemas.microsoft.com/office/drawing/2014/main" id="{D68817DD-D763-294C-AA37-202C5EA4AE51}"/>
               </a:ext>
             </a:extLst>
           </p:cNvPr>
@@ -44721,13 +44030,8 @@
           <a:p>
             <a:r>
               <a:rPr lang="es-MX" sz="4000" noProof="0" dirty="0"/>
-              <a:t>Pagina de Cintas</a:t>
+              <a:t>Página de Cintas - Funciones</a:t>
             </a:r>
-            <a:r>
-              <a:rPr lang="es-MX" sz="4000" dirty="0"/>
-              <a:t> - Funciones</a:t>
-            </a:r>
-            <a:endParaRPr lang="es-MX" sz="4000" noProof="0" dirty="0"/>
           </a:p>
         </p:txBody>
       </p:sp>
@@ -44736,7 +44040,7 @@
           <p:cNvPr id="3" name="Content Placeholder 2">
             <a:extLst>
               <a:ext uri="{FF2B5EF4-FFF2-40B4-BE49-F238E27FC236}">
-                <a16:creationId xmlns:a16="http://schemas.microsoft.com/office/drawing/2014/main" id="{D430B361-1D6F-25C8-CAE8-10D137F45AB9}"/>
+                <a16:creationId xmlns:a16="http://schemas.microsoft.com/office/drawing/2014/main" id="{0E3C3FC6-A542-C751-D3B4-40B805A59FAB}"/>
               </a:ext>
             </a:extLst>
           </p:cNvPr>
@@ -44765,11 +44069,7 @@
             </a:pPr>
             <a:r>
               <a:rPr lang="es-MX" noProof="0" dirty="0"/>
-              <a:t>Se mostraran </a:t>
-            </a:r>
-            <a:r>
-              <a:rPr lang="es-MX" dirty="0"/>
-              <a:t>con fondo verde los registros cuando:</a:t>
+              <a:t>Se mostrarán con fondo blanco los registros cuando: </a:t>
             </a:r>
           </a:p>
           <a:p>
@@ -44778,36 +44078,26 @@
               <a:buChar char="o"/>
             </a:pPr>
             <a:r>
-              <a:rPr lang="es-MX" i="0" dirty="0"/>
-              <a:t>El registro sea nuevo (del a</a:t>
+              <a:rPr lang="es-MX" noProof="0" dirty="0"/>
+              <a:t>El registro no requiere renovación aún.</a:t>
+            </a:r>
+          </a:p>
+          <a:p>
+            <a:pPr marL="569214" lvl="1" indent="-285750" algn="just">
+              <a:buFont typeface="Wingdings" panose="05000000000000000000" pitchFamily="2" charset="2"/>
+              <a:buChar char="Ø"/>
+            </a:pPr>
+            <a:r>
+              <a:rPr lang="es-MX" noProof="0" dirty="0"/>
+              <a:t>Se mostrarán con fondo blanco </a:t>
             </a:r>
             <a:r>
-              <a:rPr lang="en-US" i="0" dirty="0" err="1"/>
-              <a:t>ño</a:t>
+              <a:rPr lang="es-MX" dirty="0"/>
+              <a:t>y letras en rojo</a:t>
             </a:r>
             <a:r>
-              <a:rPr lang="en-US" i="0" dirty="0"/>
-              <a:t> actual</a:t>
-            </a:r>
-            <a:r>
-              <a:rPr lang="es-MX" i="0" dirty="0"/>
-              <a:t>) y el campo “</a:t>
-            </a:r>
-            <a:r>
-              <a:rPr lang="en-US" i="0" dirty="0"/>
-              <a:t>1) PSW returned from Customer signed 2) Sent Request to CTC</a:t>
-            </a:r>
-            <a:r>
-              <a:rPr lang="es-MX" i="0" dirty="0"/>
-              <a:t>” no este </a:t>
-            </a:r>
-            <a:r>
-              <a:rPr lang="es-MX" i="0" dirty="0" err="1"/>
-              <a:t>vacio</a:t>
-            </a:r>
-            <a:r>
-              <a:rPr lang="es-MX" i="0" dirty="0"/>
-              <a:t>.</a:t>
+              <a:rPr lang="es-MX" noProof="0" dirty="0"/>
+              <a:t> los registros cuando: </a:t>
             </a:r>
           </a:p>
           <a:p>
@@ -44816,118 +44106,25 @@
               <a:buChar char="o"/>
             </a:pPr>
             <a:r>
-              <a:rPr lang="es-MX" i="0" dirty="0"/>
-              <a:t>El registro sea del a</a:t>
+              <a:rPr lang="es-MX" dirty="0"/>
+              <a:t>El registro requiere renovación, ha pasado una semana, se hizo la requisición y falta la documentación de parte de </a:t>
             </a:r>
             <a:r>
-              <a:rPr lang="en-US" i="0" dirty="0" err="1"/>
-              <a:t>ño</a:t>
+              <a:rPr lang="es-MX" dirty="0" err="1"/>
+              <a:t>Coroplast</a:t>
             </a:r>
             <a:r>
-              <a:rPr lang="en-US" i="0" dirty="0"/>
-              <a:t> </a:t>
-            </a:r>
-            <a:r>
-              <a:rPr lang="en-US" i="0" dirty="0" err="1"/>
-              <a:t>pasado</a:t>
-            </a:r>
-            <a:r>
-              <a:rPr lang="es-MX" i="0" dirty="0"/>
-              <a:t> y el campo “</a:t>
-            </a:r>
-            <a:r>
-              <a:rPr lang="en-US" i="0" dirty="0"/>
-              <a:t>1) PSW returned from Customer signed</a:t>
-            </a:r>
-            <a:r>
-              <a:rPr lang="es-MX" i="0" dirty="0"/>
-              <a:t>” de la renovación del a</a:t>
-            </a:r>
-            <a:r>
-              <a:rPr lang="en-US" i="0" dirty="0" err="1"/>
-              <a:t>ño</a:t>
-            </a:r>
-            <a:r>
-              <a:rPr lang="en-US" i="0" dirty="0"/>
-              <a:t> actual no </a:t>
-            </a:r>
-            <a:r>
-              <a:rPr lang="en-US" i="0" dirty="0" err="1"/>
-              <a:t>este</a:t>
-            </a:r>
-            <a:r>
-              <a:rPr lang="en-US" i="0" dirty="0"/>
-              <a:t> </a:t>
-            </a:r>
-            <a:r>
-              <a:rPr lang="en-US" i="0" dirty="0" err="1"/>
-              <a:t>vacio</a:t>
-            </a:r>
-            <a:r>
-              <a:rPr lang="es-MX" i="0" dirty="0"/>
+              <a:rPr lang="es-MX" dirty="0"/>
               <a:t>.</a:t>
             </a:r>
-          </a:p>
-          <a:p>
-            <a:pPr marL="852678" lvl="2" indent="-285750" algn="just">
-              <a:buFont typeface="Courier New" panose="02070309020205020404" pitchFamily="49" charset="0"/>
-              <a:buChar char="o"/>
-            </a:pPr>
-            <a:r>
-              <a:rPr lang="es-MX" i="0" dirty="0"/>
-              <a:t>El registro sea de al menos hace 2 a</a:t>
-            </a:r>
-            <a:r>
-              <a:rPr lang="en-US" i="0" dirty="0" err="1"/>
-              <a:t>ños</a:t>
-            </a:r>
-            <a:r>
-              <a:rPr lang="en-US" i="0" dirty="0"/>
-              <a:t> </a:t>
-            </a:r>
-            <a:r>
-              <a:rPr lang="es-MX" i="0" dirty="0"/>
-              <a:t>y el campo “</a:t>
-            </a:r>
-            <a:r>
-              <a:rPr lang="en-US" i="0" dirty="0"/>
-              <a:t>1) PSW returned from Customer signed</a:t>
-            </a:r>
-            <a:r>
-              <a:rPr lang="es-MX" i="0" dirty="0"/>
-              <a:t>” de la renovación del a</a:t>
-            </a:r>
-            <a:r>
-              <a:rPr lang="en-US" i="0" dirty="0" err="1"/>
-              <a:t>ño</a:t>
-            </a:r>
-            <a:r>
-              <a:rPr lang="en-US" i="0" dirty="0"/>
-              <a:t> actual no </a:t>
-            </a:r>
-            <a:r>
-              <a:rPr lang="en-US" i="0" dirty="0" err="1"/>
-              <a:t>este</a:t>
-            </a:r>
-            <a:r>
-              <a:rPr lang="en-US" i="0" dirty="0"/>
-              <a:t> </a:t>
-            </a:r>
-            <a:r>
-              <a:rPr lang="en-US" i="0" dirty="0" err="1"/>
-              <a:t>vacio</a:t>
-            </a:r>
-            <a:r>
-              <a:rPr lang="es-MX" i="0" dirty="0"/>
-              <a:t>.</a:t>
-            </a:r>
+            <a:endParaRPr lang="es-MX" noProof="0" dirty="0"/>
           </a:p>
         </p:txBody>
       </p:sp>
     </p:spTree>
     <p:extLst>
       <p:ext uri="{BB962C8B-B14F-4D97-AF65-F5344CB8AC3E}">
-        <p14:creationId xmlns:p14="http://schemas.microsoft.com/office/powerpoint/2010/main" val="3441218226"/>
+        <p14:creationId xmlns:p14="http://schemas.microsoft.com/office/powerpoint/2010/main" val="1694693993"/>
       </p:ext>
     </p:extLst>
   </p:cSld>
@@ -44945,7 +44142,7 @@
         <p:cNvPr id="1" name="">
           <a:extLst>
             <a:ext uri="{FF2B5EF4-FFF2-40B4-BE49-F238E27FC236}">
-              <a16:creationId xmlns:a16="http://schemas.microsoft.com/office/drawing/2014/main" id="{031B16CB-E289-E908-31C5-61AEFB77338F}"/>
+              <a16:creationId xmlns:a16="http://schemas.microsoft.com/office/drawing/2014/main" id="{DAB4A91A-A56A-3BB6-9B02-F4855DDBAC17}"/>
             </a:ext>
           </a:extLst>
         </p:cNvPr>
@@ -44965,7 +44162,7 @@
           <p:cNvPr id="2" name="Title 1">
             <a:extLst>
               <a:ext uri="{FF2B5EF4-FFF2-40B4-BE49-F238E27FC236}">
-                <a16:creationId xmlns:a16="http://schemas.microsoft.com/office/drawing/2014/main" id="{CF21D8C9-B525-E59D-B28F-A51CF0CE9495}"/>
+                <a16:creationId xmlns:a16="http://schemas.microsoft.com/office/drawing/2014/main" id="{154ECEF2-BCC0-D09A-555B-7A53F3C9994B}"/>
               </a:ext>
             </a:extLst>
           </p:cNvPr>
@@ -44983,7 +44180,7 @@
           <a:p>
             <a:r>
               <a:rPr lang="es-MX" sz="4000" noProof="0" dirty="0"/>
-              <a:t>Pagina de Cintas - Funciones</a:t>
+              <a:t>Página de Tubos</a:t>
             </a:r>
           </a:p>
         </p:txBody>
@@ -44993,7 +44190,7 @@
           <p:cNvPr id="3" name="Content Placeholder 2">
             <a:extLst>
               <a:ext uri="{FF2B5EF4-FFF2-40B4-BE49-F238E27FC236}">
-                <a16:creationId xmlns:a16="http://schemas.microsoft.com/office/drawing/2014/main" id="{29005CBD-7667-61A6-487A-BE356F47F5C8}"/>
+                <a16:creationId xmlns:a16="http://schemas.microsoft.com/office/drawing/2014/main" id="{A9C164CF-1117-CD49-13CE-96B54A1E44EB}"/>
               </a:ext>
             </a:extLst>
           </p:cNvPr>
@@ -45012,258 +44209,98 @@
         </p:spPr>
         <p:txBody>
           <a:bodyPr>
-            <a:normAutofit/>
+            <a:normAutofit fontScale="92500"/>
           </a:bodyPr>
           <a:lstStyle/>
           <a:p>
-            <a:pPr marL="569214" lvl="1" indent="-285750" algn="just">
-              <a:buFont typeface="Wingdings" panose="05000000000000000000" pitchFamily="2" charset="2"/>
-              <a:buChar char="Ø"/>
-            </a:pPr>
+            <a:pPr algn="just"/>
             <a:r>
-              <a:rPr lang="es-MX" dirty="0"/>
-              <a:t>Se mostraran con fondo rojo los registros cuando: </a:t>
+              <a:rPr lang="es-MX" noProof="0" dirty="0"/>
+              <a:t>Servirá como página para la consulta, el registro y seguimiento de los PPAP's de tubos.</a:t>
             </a:r>
           </a:p>
           <a:p>
-            <a:pPr marL="852678" lvl="2" indent="-285750" algn="just">
-              <a:buFont typeface="Courier New" panose="02070309020205020404" pitchFamily="49" charset="0"/>
-              <a:buChar char="o"/>
-            </a:pPr>
+            <a:pPr algn="just"/>
             <a:r>
-              <a:rPr lang="es-MX" i="0" dirty="0"/>
-              <a:t>El registro sea nuevo (del a</a:t>
-            </a:r>
-            <a:r>
-              <a:rPr lang="en-US" i="0" dirty="0" err="1"/>
-              <a:t>ño</a:t>
-            </a:r>
-            <a:r>
-              <a:rPr lang="en-US" i="0" dirty="0"/>
-              <a:t> actual</a:t>
-            </a:r>
-            <a:r>
-              <a:rPr lang="es-MX" i="0" dirty="0"/>
-              <a:t>) y el campo “</a:t>
-            </a:r>
-            <a:r>
-              <a:rPr lang="en-US" i="0" dirty="0"/>
-              <a:t>1) PSW returned from Customer signed 2) Sent Request to CTC</a:t>
-            </a:r>
-            <a:r>
-              <a:rPr lang="es-MX" i="0" dirty="0"/>
-              <a:t>” este </a:t>
-            </a:r>
-            <a:r>
-              <a:rPr lang="es-MX" i="0" dirty="0" err="1"/>
-              <a:t>vacio</a:t>
-            </a:r>
-            <a:r>
-              <a:rPr lang="es-MX" i="0" dirty="0"/>
-              <a:t>.</a:t>
+              <a:rPr lang="es-MX" noProof="0" dirty="0"/>
+              <a:t>Contará con:</a:t>
             </a:r>
           </a:p>
           <a:p>
-            <a:pPr marL="852678" lvl="2" indent="-285750" algn="just">
-              <a:buFont typeface="Courier New" panose="02070309020205020404" pitchFamily="49" charset="0"/>
-              <a:buChar char="o"/>
+            <a:pPr lvl="2" algn="just">
+              <a:buFont typeface="Wingdings" panose="05000000000000000000" pitchFamily="2" charset="2"/>
+              <a:buChar char="ü"/>
             </a:pPr>
             <a:r>
-              <a:rPr lang="es-MX" i="0" dirty="0"/>
-              <a:t>El registro sea del a</a:t>
-            </a:r>
-            <a:r>
-              <a:rPr lang="en-US" i="0" dirty="0" err="1"/>
-              <a:t>ño</a:t>
-            </a:r>
-            <a:r>
-              <a:rPr lang="en-US" i="0" dirty="0"/>
-              <a:t> </a:t>
-            </a:r>
-            <a:r>
-              <a:rPr lang="en-US" i="0" dirty="0" err="1"/>
-              <a:t>pasado</a:t>
-            </a:r>
-            <a:r>
-              <a:rPr lang="es-MX" i="0" dirty="0"/>
-              <a:t> y el campo “</a:t>
-            </a:r>
-            <a:r>
-              <a:rPr lang="en-US" i="0" dirty="0"/>
-              <a:t>1) PSW returned from Customer signed</a:t>
-            </a:r>
-            <a:r>
-              <a:rPr lang="es-MX" i="0" dirty="0"/>
-              <a:t>” de la renovación del a</a:t>
-            </a:r>
-            <a:r>
-              <a:rPr lang="en-US" i="0" dirty="0" err="1"/>
-              <a:t>ño</a:t>
-            </a:r>
-            <a:r>
-              <a:rPr lang="en-US" i="0" dirty="0"/>
-              <a:t> actual </a:t>
-            </a:r>
-            <a:r>
-              <a:rPr lang="en-US" i="0" dirty="0" err="1"/>
-              <a:t>este</a:t>
-            </a:r>
-            <a:r>
-              <a:rPr lang="en-US" i="0" dirty="0"/>
-              <a:t> </a:t>
-            </a:r>
-            <a:r>
-              <a:rPr lang="en-US" i="0" dirty="0" err="1"/>
-              <a:t>vacio</a:t>
-            </a:r>
-            <a:r>
-              <a:rPr lang="en-US" i="0" dirty="0"/>
-              <a:t>, y la </a:t>
-            </a:r>
-            <a:r>
-              <a:rPr lang="en-US" i="0" dirty="0" err="1"/>
-              <a:t>fecha</a:t>
-            </a:r>
-            <a:r>
-              <a:rPr lang="en-US" i="0" dirty="0"/>
-              <a:t> actual sea 2 meses mayor al campo</a:t>
-            </a:r>
-            <a:r>
-              <a:rPr lang="es-MX" i="0" dirty="0"/>
-              <a:t> “</a:t>
-            </a:r>
-            <a:r>
-              <a:rPr lang="en-US" i="0" dirty="0"/>
-              <a:t>Renewal Date</a:t>
-            </a:r>
-            <a:r>
-              <a:rPr lang="es-MX" i="0" dirty="0"/>
-              <a:t>”.</a:t>
+              <a:rPr lang="es-MX" noProof="0" dirty="0"/>
+              <a:t> La tabla con la información de los PPAP's de tubos.</a:t>
             </a:r>
           </a:p>
           <a:p>
-            <a:pPr marL="852678" lvl="2" indent="-285750" algn="just">
-              <a:buFont typeface="Courier New" panose="02070309020205020404" pitchFamily="49" charset="0"/>
-              <a:buChar char="o"/>
+            <a:pPr lvl="2" algn="just">
+              <a:buFont typeface="Wingdings" panose="05000000000000000000" pitchFamily="2" charset="2"/>
+              <a:buChar char="ü"/>
             </a:pPr>
             <a:r>
-              <a:rPr lang="es-MX" i="0" dirty="0"/>
-              <a:t>El registro sea del a</a:t>
-            </a:r>
-            <a:r>
-              <a:rPr lang="en-US" i="0" dirty="0" err="1"/>
-              <a:t>ño</a:t>
-            </a:r>
-            <a:r>
-              <a:rPr lang="en-US" i="0" dirty="0"/>
-              <a:t> </a:t>
-            </a:r>
-            <a:r>
-              <a:rPr lang="en-US" i="0" dirty="0" err="1"/>
-              <a:t>pasado</a:t>
-            </a:r>
-            <a:r>
-              <a:rPr lang="es-MX" i="0" dirty="0"/>
-              <a:t> y </a:t>
-            </a:r>
-            <a:r>
-              <a:rPr lang="en-US" i="0" dirty="0" err="1"/>
-              <a:t>todos</a:t>
-            </a:r>
-            <a:r>
-              <a:rPr lang="en-US" i="0" dirty="0"/>
-              <a:t> </a:t>
-            </a:r>
-            <a:r>
-              <a:rPr lang="en-US" i="0" dirty="0" err="1"/>
-              <a:t>los</a:t>
-            </a:r>
-            <a:r>
-              <a:rPr lang="en-US" i="0" dirty="0"/>
-              <a:t> campos </a:t>
-            </a:r>
-            <a:r>
-              <a:rPr lang="es-MX" i="0" dirty="0"/>
-              <a:t>de la renovación del a</a:t>
-            </a:r>
-            <a:r>
-              <a:rPr lang="en-US" i="0" dirty="0" err="1"/>
-              <a:t>ño</a:t>
-            </a:r>
-            <a:r>
-              <a:rPr lang="en-US" i="0" dirty="0"/>
-              <a:t> actual </a:t>
-            </a:r>
-            <a:r>
-              <a:rPr lang="en-US" i="0" dirty="0" err="1"/>
-              <a:t>esten</a:t>
-            </a:r>
-            <a:r>
-              <a:rPr lang="en-US" i="0" dirty="0"/>
-              <a:t> </a:t>
-            </a:r>
-            <a:r>
-              <a:rPr lang="en-US" i="0" dirty="0" err="1"/>
-              <a:t>vacio</a:t>
-            </a:r>
-            <a:r>
-              <a:rPr lang="es-MX" i="0" dirty="0"/>
-              <a:t>.</a:t>
+              <a:rPr lang="es-MX" noProof="0" dirty="0"/>
+              <a:t> 1 formulario de búsqueda con cada campo de la tabla.</a:t>
             </a:r>
           </a:p>
           <a:p>
-            <a:pPr marL="852678" lvl="2" indent="-285750" algn="just">
-              <a:buFont typeface="Courier New" panose="02070309020205020404" pitchFamily="49" charset="0"/>
-              <a:buChar char="o"/>
+            <a:pPr lvl="2" algn="just">
+              <a:buFont typeface="Wingdings" panose="05000000000000000000" pitchFamily="2" charset="2"/>
+              <a:buChar char="ü"/>
             </a:pPr>
             <a:r>
-              <a:rPr lang="es-MX" i="0" dirty="0"/>
-              <a:t>El registro sea de hace 2 a</a:t>
+              <a:rPr lang="es-MX" noProof="0" dirty="0"/>
+              <a:t> 3 formularios de registro para insertar nueva información a la tabla (por descripción, ET PN, y </a:t>
             </a:r>
             <a:r>
-              <a:rPr lang="en-US" i="0" dirty="0" err="1"/>
-              <a:t>ños</a:t>
+              <a:rPr lang="es-MX" noProof="0" dirty="0" err="1"/>
+              <a:t>Cust</a:t>
             </a:r>
             <a:r>
-              <a:rPr lang="en-US" i="0" dirty="0"/>
-              <a:t> o mas </a:t>
+              <a:rPr lang="es-MX" noProof="0" dirty="0"/>
+              <a:t>. PN).</a:t>
+            </a:r>
+          </a:p>
+          <a:p>
+            <a:pPr lvl="2" algn="just">
+              <a:buFont typeface="Wingdings" panose="05000000000000000000" pitchFamily="2" charset="2"/>
+              <a:buChar char="ü"/>
+            </a:pPr>
+            <a:r>
+              <a:rPr lang="es-MX" noProof="0" dirty="0"/>
+              <a:t> 1 formulario de edición para editar información de la tabla.</a:t>
+            </a:r>
+          </a:p>
+          <a:p>
+            <a:pPr lvl="2" algn="just">
+              <a:buFont typeface="Wingdings" panose="05000000000000000000" pitchFamily="2" charset="2"/>
+              <a:buChar char="ü"/>
+            </a:pPr>
+            <a:r>
+              <a:rPr lang="es-MX" noProof="0" dirty="0"/>
+              <a:t> 1 función para eliminar registros de la tabla.</a:t>
+            </a:r>
+          </a:p>
+          <a:p>
+            <a:pPr algn="just"/>
+            <a:r>
+              <a:rPr lang="es-MX" noProof="0" dirty="0"/>
+              <a:t>En la parte superior se mostrará un menú con opciones para navegar a las páginas de </a:t>
             </a:r>
             <a:r>
-              <a:rPr lang="es-MX" i="0" dirty="0"/>
-              <a:t>y el campo “</a:t>
+              <a:rPr lang="es-MX" noProof="0" dirty="0" err="1"/>
+              <a:t>BluSeal</a:t>
             </a:r>
             <a:r>
-              <a:rPr lang="en-US" i="0" dirty="0"/>
-              <a:t>1) PSW returned from Customer signed</a:t>
+              <a:rPr lang="es-MX" noProof="0" dirty="0"/>
+              <a:t>, cables, cintas y tubos.</a:t>
             </a:r>
-            <a:r>
-              <a:rPr lang="es-MX" i="0" dirty="0"/>
-              <a:t>” de la renovación del a</a:t>
-            </a:r>
-            <a:r>
-              <a:rPr lang="en-US" i="0" dirty="0" err="1"/>
-              <a:t>ño</a:t>
-            </a:r>
-            <a:r>
-              <a:rPr lang="en-US" i="0" dirty="0"/>
-              <a:t> actual </a:t>
-            </a:r>
-            <a:r>
-              <a:rPr lang="en-US" i="0" dirty="0" err="1"/>
-              <a:t>este</a:t>
-            </a:r>
-            <a:r>
-              <a:rPr lang="en-US" i="0" dirty="0"/>
-              <a:t> </a:t>
-            </a:r>
-            <a:r>
-              <a:rPr lang="en-US" i="0" dirty="0" err="1"/>
-              <a:t>vacio</a:t>
-            </a:r>
-            <a:r>
-              <a:rPr lang="es-MX" i="0" dirty="0"/>
-              <a:t>.</a:t>
-            </a:r>
+          </a:p>
+          <a:p>
+            <a:pPr algn="just"/>
             <a:endParaRPr lang="es-MX" noProof="0" dirty="0"/>
           </a:p>
           <a:p>
@@ -45278,7 +44315,7 @@
     </p:spTree>
     <p:extLst>
       <p:ext uri="{BB962C8B-B14F-4D97-AF65-F5344CB8AC3E}">
-        <p14:creationId xmlns:p14="http://schemas.microsoft.com/office/powerpoint/2010/main" val="3389300036"/>
+        <p14:creationId xmlns:p14="http://schemas.microsoft.com/office/powerpoint/2010/main" val="1031707912"/>
       </p:ext>
     </p:extLst>
   </p:cSld>
@@ -45514,450 +44551,6 @@
         <p:cNvPr id="1" name="">
           <a:extLst>
             <a:ext uri="{FF2B5EF4-FFF2-40B4-BE49-F238E27FC236}">
-              <a16:creationId xmlns:a16="http://schemas.microsoft.com/office/drawing/2014/main" id="{E344BD5F-A310-1838-1558-8C25BEED69BE}"/>
-            </a:ext>
-          </a:extLst>
-        </p:cNvPr>
-        <p:cNvGrpSpPr/>
-        <p:nvPr/>
-      </p:nvGrpSpPr>
-      <p:grpSpPr>
-        <a:xfrm>
-          <a:off x="0" y="0"/>
-          <a:ext cx="0" cy="0"/>
-          <a:chOff x="0" y="0"/>
-          <a:chExt cx="0" cy="0"/>
-        </a:xfrm>
-      </p:grpSpPr>
-      <p:sp>
-        <p:nvSpPr>
-          <p:cNvPr id="2" name="Title 1">
-            <a:extLst>
-              <a:ext uri="{FF2B5EF4-FFF2-40B4-BE49-F238E27FC236}">
-                <a16:creationId xmlns:a16="http://schemas.microsoft.com/office/drawing/2014/main" id="{D68817DD-D763-294C-AA37-202C5EA4AE51}"/>
-              </a:ext>
-            </a:extLst>
-          </p:cNvPr>
-          <p:cNvSpPr>
-            <a:spLocks noGrp="1"/>
-          </p:cNvSpPr>
-          <p:nvPr>
-            <p:ph type="title"/>
-          </p:nvPr>
-        </p:nvSpPr>
-        <p:spPr/>
-        <p:txBody>
-          <a:bodyPr/>
-          <a:lstStyle/>
-          <a:p>
-            <a:r>
-              <a:rPr lang="es-MX" sz="4000" noProof="0" dirty="0"/>
-              <a:t>Pagina de Cintas - Funciones</a:t>
-            </a:r>
-          </a:p>
-        </p:txBody>
-      </p:sp>
-      <p:sp>
-        <p:nvSpPr>
-          <p:cNvPr id="3" name="Content Placeholder 2">
-            <a:extLst>
-              <a:ext uri="{FF2B5EF4-FFF2-40B4-BE49-F238E27FC236}">
-                <a16:creationId xmlns:a16="http://schemas.microsoft.com/office/drawing/2014/main" id="{0E3C3FC6-A542-C751-D3B4-40B805A59FAB}"/>
-              </a:ext>
-            </a:extLst>
-          </p:cNvPr>
-          <p:cNvSpPr>
-            <a:spLocks noGrp="1"/>
-          </p:cNvSpPr>
-          <p:nvPr>
-            <p:ph sz="quarter" idx="17"/>
-          </p:nvPr>
-        </p:nvSpPr>
-        <p:spPr>
-          <a:xfrm>
-            <a:off x="1542562" y="2590800"/>
-            <a:ext cx="10013709" cy="4056888"/>
-          </a:xfrm>
-        </p:spPr>
-        <p:txBody>
-          <a:bodyPr>
-            <a:normAutofit/>
-          </a:bodyPr>
-          <a:lstStyle/>
-          <a:p>
-            <a:pPr marL="569214" lvl="1" indent="-285750" algn="just">
-              <a:buFont typeface="Wingdings" panose="05000000000000000000" pitchFamily="2" charset="2"/>
-              <a:buChar char="Ø"/>
-            </a:pPr>
-            <a:r>
-              <a:rPr lang="es-MX" dirty="0"/>
-              <a:t>Se mostraran con fondo blanco los registros cuando: </a:t>
-            </a:r>
-            <a:endParaRPr lang="en-US" dirty="0"/>
-          </a:p>
-          <a:p>
-            <a:pPr marL="852678" lvl="2" indent="-285750" algn="just">
-              <a:buFont typeface="Courier New" panose="02070309020205020404" pitchFamily="49" charset="0"/>
-              <a:buChar char="o"/>
-            </a:pPr>
-            <a:r>
-              <a:rPr lang="es-MX" i="0" dirty="0"/>
-              <a:t>El registro sea del a</a:t>
-            </a:r>
-            <a:r>
-              <a:rPr lang="en-US" i="0" dirty="0" err="1"/>
-              <a:t>ño</a:t>
-            </a:r>
-            <a:r>
-              <a:rPr lang="en-US" i="0" dirty="0"/>
-              <a:t> </a:t>
-            </a:r>
-            <a:r>
-              <a:rPr lang="en-US" i="0" dirty="0" err="1"/>
-              <a:t>pasado</a:t>
-            </a:r>
-            <a:r>
-              <a:rPr lang="es-MX" i="0" dirty="0"/>
-              <a:t> y el campo “</a:t>
-            </a:r>
-            <a:r>
-              <a:rPr lang="en-US" i="0" dirty="0"/>
-              <a:t>Sent to  Customer</a:t>
-            </a:r>
-            <a:r>
-              <a:rPr lang="es-MX" i="0" dirty="0"/>
-              <a:t>” de la renovación del a</a:t>
-            </a:r>
-            <a:r>
-              <a:rPr lang="en-US" i="0" dirty="0" err="1"/>
-              <a:t>ño</a:t>
-            </a:r>
-            <a:r>
-              <a:rPr lang="en-US" i="0" dirty="0"/>
-              <a:t> actual </a:t>
-            </a:r>
-            <a:r>
-              <a:rPr lang="en-US" i="0" dirty="0" err="1"/>
-              <a:t>este</a:t>
-            </a:r>
-            <a:r>
-              <a:rPr lang="en-US" i="0" dirty="0"/>
-              <a:t> </a:t>
-            </a:r>
-            <a:r>
-              <a:rPr lang="en-US" i="0" dirty="0" err="1"/>
-              <a:t>vacio</a:t>
-            </a:r>
-            <a:r>
-              <a:rPr lang="en-US" i="0" dirty="0"/>
-              <a:t> , y la </a:t>
-            </a:r>
-            <a:r>
-              <a:rPr lang="en-US" i="0" dirty="0" err="1"/>
-              <a:t>fecha</a:t>
-            </a:r>
-            <a:r>
-              <a:rPr lang="en-US" i="0" dirty="0"/>
-              <a:t> actual sea </a:t>
-            </a:r>
-            <a:r>
-              <a:rPr lang="en-US" i="0" dirty="0" err="1"/>
-              <a:t>maximo</a:t>
-            </a:r>
-            <a:r>
-              <a:rPr lang="en-US" i="0" dirty="0"/>
-              <a:t> 2 meses mayor al campo</a:t>
-            </a:r>
-            <a:r>
-              <a:rPr lang="es-MX" i="0" dirty="0"/>
-              <a:t> “</a:t>
-            </a:r>
-            <a:r>
-              <a:rPr lang="en-US" i="0" dirty="0"/>
-              <a:t>Renewal Date</a:t>
-            </a:r>
-            <a:r>
-              <a:rPr lang="es-MX" i="0" dirty="0"/>
-              <a:t>”.</a:t>
-            </a:r>
-          </a:p>
-          <a:p>
-            <a:pPr marL="852678" lvl="2" indent="-285750" algn="just">
-              <a:buFont typeface="Courier New" panose="02070309020205020404" pitchFamily="49" charset="0"/>
-              <a:buChar char="o"/>
-            </a:pPr>
-            <a:r>
-              <a:rPr lang="es-MX" i="0" dirty="0"/>
-              <a:t>El registro sea de hace 2 a</a:t>
-            </a:r>
-            <a:r>
-              <a:rPr lang="en-US" i="0" dirty="0" err="1"/>
-              <a:t>ños</a:t>
-            </a:r>
-            <a:r>
-              <a:rPr lang="en-US" i="0" dirty="0"/>
-              <a:t> o mas </a:t>
-            </a:r>
-            <a:r>
-              <a:rPr lang="es-MX" i="0" dirty="0"/>
-              <a:t>y el campo “</a:t>
-            </a:r>
-            <a:r>
-              <a:rPr lang="en-US" i="0" dirty="0"/>
-              <a:t>Sent to  Customer</a:t>
-            </a:r>
-            <a:r>
-              <a:rPr lang="es-MX" i="0" dirty="0"/>
-              <a:t>” de la renovación del a</a:t>
-            </a:r>
-            <a:r>
-              <a:rPr lang="en-US" i="0" dirty="0" err="1"/>
-              <a:t>ño</a:t>
-            </a:r>
-            <a:r>
-              <a:rPr lang="en-US" i="0" dirty="0"/>
-              <a:t> actual </a:t>
-            </a:r>
-            <a:r>
-              <a:rPr lang="en-US" i="0" dirty="0" err="1"/>
-              <a:t>este</a:t>
-            </a:r>
-            <a:r>
-              <a:rPr lang="en-US" i="0" dirty="0"/>
-              <a:t> </a:t>
-            </a:r>
-            <a:r>
-              <a:rPr lang="en-US" i="0" dirty="0" err="1"/>
-              <a:t>vacio</a:t>
-            </a:r>
-            <a:r>
-              <a:rPr lang="es-MX" i="0" dirty="0"/>
-              <a:t>.</a:t>
-            </a:r>
-            <a:endParaRPr lang="es-MX" noProof="0" dirty="0"/>
-          </a:p>
-          <a:p>
-            <a:pPr marL="285750" indent="-285750" algn="just">
-              <a:buFont typeface="Arial" panose="020B0604020202020204" pitchFamily="34" charset="0"/>
-              <a:buChar char="•"/>
-            </a:pPr>
-            <a:endParaRPr lang="es-MX" noProof="0" dirty="0"/>
-          </a:p>
-        </p:txBody>
-      </p:sp>
-    </p:spTree>
-    <p:extLst>
-      <p:ext uri="{BB962C8B-B14F-4D97-AF65-F5344CB8AC3E}">
-        <p14:creationId xmlns:p14="http://schemas.microsoft.com/office/powerpoint/2010/main" val="1694693993"/>
-      </p:ext>
-    </p:extLst>
-  </p:cSld>
-  <p:clrMapOvr>
-    <a:masterClrMapping/>
-  </p:clrMapOvr>
-</p:sld>
-</file>
-
-<file path=ppt/slides/slide41.xml><?xml version="1.0" encoding="utf-8"?>
-<p:sld xmlns:a="http://schemas.openxmlformats.org/drawingml/2006/main" xmlns:r="http://schemas.openxmlformats.org/officeDocument/2006/relationships" xmlns:p="http://schemas.openxmlformats.org/presentationml/2006/main">
-  <p:cSld>
-    <p:spTree>
-      <p:nvGrpSpPr>
-        <p:cNvPr id="1" name="">
-          <a:extLst>
-            <a:ext uri="{FF2B5EF4-FFF2-40B4-BE49-F238E27FC236}">
-              <a16:creationId xmlns:a16="http://schemas.microsoft.com/office/drawing/2014/main" id="{DAB4A91A-A56A-3BB6-9B02-F4855DDBAC17}"/>
-            </a:ext>
-          </a:extLst>
-        </p:cNvPr>
-        <p:cNvGrpSpPr/>
-        <p:nvPr/>
-      </p:nvGrpSpPr>
-      <p:grpSpPr>
-        <a:xfrm>
-          <a:off x="0" y="0"/>
-          <a:ext cx="0" cy="0"/>
-          <a:chOff x="0" y="0"/>
-          <a:chExt cx="0" cy="0"/>
-        </a:xfrm>
-      </p:grpSpPr>
-      <p:sp>
-        <p:nvSpPr>
-          <p:cNvPr id="2" name="Title 1">
-            <a:extLst>
-              <a:ext uri="{FF2B5EF4-FFF2-40B4-BE49-F238E27FC236}">
-                <a16:creationId xmlns:a16="http://schemas.microsoft.com/office/drawing/2014/main" id="{154ECEF2-BCC0-D09A-555B-7A53F3C9994B}"/>
-              </a:ext>
-            </a:extLst>
-          </p:cNvPr>
-          <p:cNvSpPr>
-            <a:spLocks noGrp="1"/>
-          </p:cNvSpPr>
-          <p:nvPr>
-            <p:ph type="title"/>
-          </p:nvPr>
-        </p:nvSpPr>
-        <p:spPr/>
-        <p:txBody>
-          <a:bodyPr/>
-          <a:lstStyle/>
-          <a:p>
-            <a:r>
-              <a:rPr lang="es-MX" sz="4000" noProof="0" dirty="0"/>
-              <a:t>Pagina de Tubos</a:t>
-            </a:r>
-          </a:p>
-        </p:txBody>
-      </p:sp>
-      <p:sp>
-        <p:nvSpPr>
-          <p:cNvPr id="3" name="Content Placeholder 2">
-            <a:extLst>
-              <a:ext uri="{FF2B5EF4-FFF2-40B4-BE49-F238E27FC236}">
-                <a16:creationId xmlns:a16="http://schemas.microsoft.com/office/drawing/2014/main" id="{A9C164CF-1117-CD49-13CE-96B54A1E44EB}"/>
-              </a:ext>
-            </a:extLst>
-          </p:cNvPr>
-          <p:cNvSpPr>
-            <a:spLocks noGrp="1"/>
-          </p:cNvSpPr>
-          <p:nvPr>
-            <p:ph sz="quarter" idx="17"/>
-          </p:nvPr>
-        </p:nvSpPr>
-        <p:spPr>
-          <a:xfrm>
-            <a:off x="1542562" y="2590800"/>
-            <a:ext cx="10013709" cy="4056888"/>
-          </a:xfrm>
-        </p:spPr>
-        <p:txBody>
-          <a:bodyPr>
-            <a:normAutofit fontScale="92500"/>
-          </a:bodyPr>
-          <a:lstStyle/>
-          <a:p>
-            <a:pPr algn="just"/>
-            <a:r>
-              <a:rPr lang="es-MX" noProof="0" dirty="0"/>
-              <a:t>Servirá como pagina para la consulta, el registro y seguimiento de los PPAP's de tubos.</a:t>
-            </a:r>
-          </a:p>
-          <a:p>
-            <a:pPr algn="just"/>
-            <a:r>
-              <a:rPr lang="es-MX" noProof="0" dirty="0"/>
-              <a:t>Contara con:</a:t>
-            </a:r>
-          </a:p>
-          <a:p>
-            <a:pPr lvl="2" algn="just">
-              <a:buFont typeface="Wingdings" panose="05000000000000000000" pitchFamily="2" charset="2"/>
-              <a:buChar char="ü"/>
-            </a:pPr>
-            <a:r>
-              <a:rPr lang="es-MX" noProof="0" dirty="0"/>
-              <a:t> La tabla con la información de los PPAP's de tubos.</a:t>
-            </a:r>
-          </a:p>
-          <a:p>
-            <a:pPr lvl="2" algn="just">
-              <a:buFont typeface="Wingdings" panose="05000000000000000000" pitchFamily="2" charset="2"/>
-              <a:buChar char="ü"/>
-            </a:pPr>
-            <a:r>
-              <a:rPr lang="es-MX" dirty="0"/>
-              <a:t> 1 formulario de búsqueda por cada campo de la tabla.</a:t>
-            </a:r>
-          </a:p>
-          <a:p>
-            <a:pPr lvl="2" algn="just">
-              <a:buFont typeface="Wingdings" panose="05000000000000000000" pitchFamily="2" charset="2"/>
-              <a:buChar char="ü"/>
-            </a:pPr>
-            <a:r>
-              <a:rPr lang="es-MX" dirty="0"/>
-              <a:t> 3 formularios de registro para insertar nueva información a la tabla (por descripción, ET PN, y </a:t>
-            </a:r>
-            <a:r>
-              <a:rPr lang="es-MX" dirty="0" err="1"/>
-              <a:t>Cust</a:t>
-            </a:r>
-            <a:r>
-              <a:rPr lang="es-MX" dirty="0"/>
-              <a:t>. PN).</a:t>
-            </a:r>
-          </a:p>
-          <a:p>
-            <a:pPr lvl="2" algn="just">
-              <a:buFont typeface="Wingdings" panose="05000000000000000000" pitchFamily="2" charset="2"/>
-              <a:buChar char="ü"/>
-            </a:pPr>
-            <a:r>
-              <a:rPr lang="es-MX" dirty="0"/>
-              <a:t> 1 formulario de edición para editar información de la tabla.</a:t>
-            </a:r>
-          </a:p>
-          <a:p>
-            <a:pPr lvl="2" algn="just">
-              <a:buFont typeface="Wingdings" panose="05000000000000000000" pitchFamily="2" charset="2"/>
-              <a:buChar char="ü"/>
-            </a:pPr>
-            <a:r>
-              <a:rPr lang="es-MX" dirty="0"/>
-              <a:t> 1 función para eliminar registros de la tabla.</a:t>
-            </a:r>
-          </a:p>
-          <a:p>
-            <a:pPr algn="just"/>
-            <a:r>
-              <a:rPr lang="es-MX" dirty="0"/>
-              <a:t>En la parte superior se mostrara un menú con opciones para navegar a las paginas de </a:t>
-            </a:r>
-            <a:r>
-              <a:rPr lang="es-MX" dirty="0" err="1"/>
-              <a:t>BluSeal</a:t>
-            </a:r>
-            <a:r>
-              <a:rPr lang="es-MX" dirty="0"/>
-              <a:t>, cables, cintas y tubos.</a:t>
-            </a:r>
-            <a:endParaRPr lang="es-MX" noProof="0" dirty="0"/>
-          </a:p>
-          <a:p>
-            <a:pPr algn="just"/>
-            <a:endParaRPr lang="es-MX" noProof="0" dirty="0"/>
-          </a:p>
-          <a:p>
-            <a:pPr marL="285750" indent="-285750" algn="just">
-              <a:buFont typeface="Arial" panose="020B0604020202020204" pitchFamily="34" charset="0"/>
-              <a:buChar char="•"/>
-            </a:pPr>
-            <a:endParaRPr lang="es-MX" noProof="0" dirty="0"/>
-          </a:p>
-        </p:txBody>
-      </p:sp>
-    </p:spTree>
-    <p:extLst>
-      <p:ext uri="{BB962C8B-B14F-4D97-AF65-F5344CB8AC3E}">
-        <p14:creationId xmlns:p14="http://schemas.microsoft.com/office/powerpoint/2010/main" val="1031707912"/>
-      </p:ext>
-    </p:extLst>
-  </p:cSld>
-  <p:clrMapOvr>
-    <a:masterClrMapping/>
-  </p:clrMapOvr>
-</p:sld>
-</file>
-
-<file path=ppt/slides/slide42.xml><?xml version="1.0" encoding="utf-8"?>
-<p:sld xmlns:a="http://schemas.openxmlformats.org/drawingml/2006/main" xmlns:r="http://schemas.openxmlformats.org/officeDocument/2006/relationships" xmlns:p="http://schemas.openxmlformats.org/presentationml/2006/main">
-  <p:cSld>
-    <p:spTree>
-      <p:nvGrpSpPr>
-        <p:cNvPr id="1" name="">
-          <a:extLst>
-            <a:ext uri="{FF2B5EF4-FFF2-40B4-BE49-F238E27FC236}">
               <a16:creationId xmlns:a16="http://schemas.microsoft.com/office/drawing/2014/main" id="{FF12AF35-BC60-C7F9-20D7-EB1EFCCFDD0A}"/>
             </a:ext>
           </a:extLst>
@@ -45996,7 +44589,7 @@
           <a:p>
             <a:r>
               <a:rPr lang="es-MX" sz="4000" noProof="0" dirty="0"/>
-              <a:t>Pagina de Tubos - Funciones</a:t>
+              <a:t>Página de Tubos - Funciones</a:t>
             </a:r>
           </a:p>
         </p:txBody>
@@ -46034,89 +44627,10 @@
               <a:buChar char="Ø"/>
             </a:pPr>
             <a:r>
-              <a:rPr lang="en-US" dirty="0"/>
-              <a:t>Si </a:t>
+              <a:rPr lang="es-MX" dirty="0"/>
+              <a:t>Se calculará la diferencia de días entre la fecha de solicitud por parte cliente y la fecha de envío de la documentación a este mismo.</a:t>
             </a:r>
-            <a:r>
-              <a:rPr lang="en-US" dirty="0" err="1"/>
-              <a:t>el</a:t>
-            </a:r>
-            <a:r>
-              <a:rPr lang="en-US" dirty="0"/>
-              <a:t> campo “PPAP </a:t>
-            </a:r>
-            <a:r>
-              <a:rPr lang="en-US" dirty="0" err="1"/>
-              <a:t>Req'd</a:t>
-            </a:r>
-            <a:r>
-              <a:rPr lang="en-US" dirty="0"/>
-              <a:t> by Customer” no </a:t>
-            </a:r>
-            <a:r>
-              <a:rPr lang="en-US" dirty="0" err="1"/>
-              <a:t>esta</a:t>
-            </a:r>
-            <a:r>
-              <a:rPr lang="en-US" dirty="0"/>
-              <a:t> </a:t>
-            </a:r>
-            <a:r>
-              <a:rPr lang="en-US" dirty="0" err="1"/>
-              <a:t>vacio</a:t>
-            </a:r>
-            <a:r>
-              <a:rPr lang="en-US" dirty="0"/>
-              <a:t>, </a:t>
-            </a:r>
-            <a:r>
-              <a:rPr lang="en-US" dirty="0" err="1"/>
-              <a:t>el</a:t>
-            </a:r>
-            <a:r>
-              <a:rPr lang="en-US" dirty="0"/>
-              <a:t> campo “Days to Submit” </a:t>
-            </a:r>
-            <a:r>
-              <a:rPr lang="en-US" dirty="0" err="1"/>
-              <a:t>calculara</a:t>
-            </a:r>
-            <a:r>
-              <a:rPr lang="en-US" dirty="0"/>
-              <a:t> la </a:t>
-            </a:r>
-            <a:r>
-              <a:rPr lang="en-US" dirty="0" err="1"/>
-              <a:t>diferencia</a:t>
-            </a:r>
-            <a:r>
-              <a:rPr lang="en-US" dirty="0"/>
-              <a:t> de </a:t>
-            </a:r>
-            <a:r>
-              <a:rPr lang="en-US" dirty="0" err="1"/>
-              <a:t>dias</a:t>
-            </a:r>
-            <a:r>
-              <a:rPr lang="en-US" dirty="0"/>
-              <a:t> entre </a:t>
-            </a:r>
-            <a:r>
-              <a:rPr lang="en-US" dirty="0" err="1"/>
-              <a:t>los</a:t>
-            </a:r>
-            <a:r>
-              <a:rPr lang="en-US" dirty="0"/>
-              <a:t> campos “Sent to Customer” y “PPAP </a:t>
-            </a:r>
-            <a:r>
-              <a:rPr lang="en-US" dirty="0" err="1"/>
-              <a:t>Req'd</a:t>
-            </a:r>
-            <a:r>
-              <a:rPr lang="en-US" dirty="0"/>
-              <a:t> by Customer”.</a:t>
-            </a:r>
+            <a:endParaRPr lang="es-MX" noProof="0" dirty="0"/>
           </a:p>
           <a:p>
             <a:pPr marL="569214" lvl="1" indent="-285750" algn="just">
@@ -46124,265 +44638,51 @@
               <a:buChar char="Ø"/>
             </a:pPr>
             <a:r>
-              <a:rPr lang="en-US" dirty="0"/>
-              <a:t>Si </a:t>
+              <a:rPr lang="es-MX" noProof="0" dirty="0"/>
+              <a:t>Cuando la diferencia de días es:</a:t>
             </a:r>
+          </a:p>
+          <a:p>
+            <a:pPr marL="898398" lvl="3" indent="-285750" algn="just">
+              <a:buFont typeface="Courier New" panose="02070309020205020404" pitchFamily="49" charset="0"/>
+              <a:buChar char="o"/>
+            </a:pPr>
             <a:r>
-              <a:rPr lang="en-US" dirty="0" err="1"/>
-              <a:t>el</a:t>
+              <a:rPr lang="es-MX" noProof="0" dirty="0"/>
+              <a:t>Menor o igual a 18 días, se mostrará con fondo verde.</a:t>
             </a:r>
+          </a:p>
+          <a:p>
+            <a:pPr marL="898398" lvl="3" indent="-285750" algn="just">
+              <a:buFont typeface="Courier New" panose="02070309020205020404" pitchFamily="49" charset="0"/>
+              <a:buChar char="o"/>
+            </a:pPr>
             <a:r>
-              <a:rPr lang="en-US" dirty="0"/>
-              <a:t> campo “PPAP </a:t>
+              <a:rPr lang="es-MX" noProof="0" dirty="0"/>
+              <a:t>Mayor o igual a 19 días, y menor o igual a 30 días, se mostrará con fondo amarillo.</a:t>
             </a:r>
+          </a:p>
+          <a:p>
+            <a:pPr marL="898398" lvl="3" indent="-285750" algn="just">
+              <a:buFont typeface="Courier New" panose="02070309020205020404" pitchFamily="49" charset="0"/>
+              <a:buChar char="o"/>
+            </a:pPr>
             <a:r>
-              <a:rPr lang="en-US" dirty="0" err="1"/>
-              <a:t>Req'd</a:t>
+              <a:rPr lang="es-MX" dirty="0"/>
+              <a:t>Mayor a 30 días, se mostrará con fondo rojo.</a:t>
             </a:r>
-            <a:r>
-              <a:rPr lang="en-US" dirty="0"/>
-              <a:t> by Customer” </a:t>
-            </a:r>
-            <a:r>
-              <a:rPr lang="en-US" dirty="0" err="1"/>
-              <a:t>esta</a:t>
-            </a:r>
-            <a:r>
-              <a:rPr lang="en-US" dirty="0"/>
-              <a:t> </a:t>
-            </a:r>
-            <a:r>
-              <a:rPr lang="en-US" dirty="0" err="1"/>
-              <a:t>vacio</a:t>
-            </a:r>
-            <a:r>
-              <a:rPr lang="en-US" dirty="0"/>
-              <a:t>, </a:t>
-            </a:r>
-            <a:r>
-              <a:rPr lang="en-US" dirty="0" err="1"/>
-              <a:t>el</a:t>
-            </a:r>
-            <a:r>
-              <a:rPr lang="en-US" dirty="0"/>
-              <a:t> campo “Days to Submit” </a:t>
-            </a:r>
-            <a:r>
-              <a:rPr lang="en-US" dirty="0" err="1"/>
-              <a:t>calculara</a:t>
-            </a:r>
-            <a:r>
-              <a:rPr lang="en-US" dirty="0"/>
-              <a:t> la </a:t>
-            </a:r>
-            <a:r>
-              <a:rPr lang="en-US" dirty="0" err="1"/>
-              <a:t>diferencia</a:t>
-            </a:r>
-            <a:r>
-              <a:rPr lang="en-US" dirty="0"/>
-              <a:t> de </a:t>
-            </a:r>
-            <a:r>
-              <a:rPr lang="en-US" dirty="0" err="1"/>
-              <a:t>dias</a:t>
-            </a:r>
-            <a:r>
-              <a:rPr lang="en-US" dirty="0"/>
-              <a:t> entre la </a:t>
-            </a:r>
-            <a:r>
-              <a:rPr lang="en-US" dirty="0" err="1"/>
-              <a:t>fecha</a:t>
-            </a:r>
-            <a:r>
-              <a:rPr lang="en-US" dirty="0"/>
-              <a:t> actual y </a:t>
-            </a:r>
-            <a:r>
-              <a:rPr lang="en-US" dirty="0" err="1"/>
-              <a:t>el</a:t>
-            </a:r>
-            <a:r>
-              <a:rPr lang="en-US" dirty="0"/>
-              <a:t> campo “PPAP </a:t>
-            </a:r>
-            <a:r>
-              <a:rPr lang="en-US" dirty="0" err="1"/>
-              <a:t>Req'd</a:t>
-            </a:r>
-            <a:r>
-              <a:rPr lang="en-US" dirty="0"/>
-              <a:t> by Customer”.</a:t>
-            </a:r>
+            <a:endParaRPr lang="es-MX" noProof="0" dirty="0"/>
           </a:p>
           <a:p>
             <a:pPr marL="569214" lvl="1" indent="-285750" algn="just">
               <a:buFont typeface="Wingdings" panose="05000000000000000000" pitchFamily="2" charset="2"/>
               <a:buChar char="Ø"/>
             </a:pPr>
-            <a:r>
-              <a:rPr lang="en-US" dirty="0" err="1"/>
-              <a:t>Cuando</a:t>
-            </a:r>
-            <a:r>
-              <a:rPr lang="en-US" dirty="0"/>
-              <a:t> </a:t>
-            </a:r>
-            <a:r>
-              <a:rPr lang="en-US" dirty="0" err="1"/>
-              <a:t>el</a:t>
-            </a:r>
-            <a:r>
-              <a:rPr lang="en-US" dirty="0"/>
-              <a:t> campo “Days to Submit” es </a:t>
-            </a:r>
-            <a:r>
-              <a:rPr lang="en-US" dirty="0" err="1"/>
-              <a:t>menor</a:t>
-            </a:r>
-            <a:r>
-              <a:rPr lang="en-US" dirty="0"/>
-              <a:t> o </a:t>
-            </a:r>
-            <a:r>
-              <a:rPr lang="en-US" dirty="0" err="1"/>
-              <a:t>igual</a:t>
-            </a:r>
-            <a:r>
-              <a:rPr lang="en-US" dirty="0"/>
-              <a:t> a 18 </a:t>
-            </a:r>
-            <a:r>
-              <a:rPr lang="en-US" dirty="0" err="1"/>
-              <a:t>dias</a:t>
-            </a:r>
-            <a:r>
-              <a:rPr lang="en-US" dirty="0"/>
-              <a:t>, se </a:t>
-            </a:r>
-            <a:r>
-              <a:rPr lang="en-US" dirty="0" err="1"/>
-              <a:t>mostrara</a:t>
-            </a:r>
-            <a:r>
-              <a:rPr lang="en-US" dirty="0"/>
-              <a:t> con </a:t>
-            </a:r>
-            <a:r>
-              <a:rPr lang="en-US" dirty="0" err="1"/>
-              <a:t>fondo</a:t>
-            </a:r>
-            <a:r>
-              <a:rPr lang="en-US" dirty="0"/>
-              <a:t> </a:t>
-            </a:r>
-            <a:r>
-              <a:rPr lang="en-US" dirty="0" err="1"/>
-              <a:t>verde</a:t>
-            </a:r>
-            <a:r>
-              <a:rPr lang="en-US" dirty="0"/>
-              <a:t>.</a:t>
-            </a:r>
-          </a:p>
-          <a:p>
-            <a:pPr marL="569214" lvl="1" indent="-285750" algn="just">
-              <a:buFont typeface="Wingdings" panose="05000000000000000000" pitchFamily="2" charset="2"/>
-              <a:buChar char="Ø"/>
-            </a:pPr>
-            <a:r>
-              <a:rPr lang="en-US" dirty="0" err="1"/>
-              <a:t>Cuando</a:t>
-            </a:r>
-            <a:r>
-              <a:rPr lang="en-US" dirty="0"/>
-              <a:t> </a:t>
-            </a:r>
-            <a:r>
-              <a:rPr lang="en-US" dirty="0" err="1"/>
-              <a:t>el</a:t>
-            </a:r>
-            <a:r>
-              <a:rPr lang="en-US" dirty="0"/>
-              <a:t> campo “Days to Submit” es mayor o </a:t>
-            </a:r>
-            <a:r>
-              <a:rPr lang="en-US" dirty="0" err="1"/>
-              <a:t>igual</a:t>
-            </a:r>
-            <a:r>
-              <a:rPr lang="en-US" dirty="0"/>
-              <a:t> a 19 </a:t>
-            </a:r>
-            <a:r>
-              <a:rPr lang="en-US" dirty="0" err="1"/>
-              <a:t>dias</a:t>
-            </a:r>
-            <a:r>
-              <a:rPr lang="en-US" dirty="0"/>
-              <a:t>, y es </a:t>
-            </a:r>
-            <a:r>
-              <a:rPr lang="en-US" dirty="0" err="1"/>
-              <a:t>menor</a:t>
-            </a:r>
-            <a:r>
-              <a:rPr lang="en-US" dirty="0"/>
-              <a:t> o </a:t>
-            </a:r>
-            <a:r>
-              <a:rPr lang="en-US" dirty="0" err="1"/>
-              <a:t>igual</a:t>
-            </a:r>
-            <a:r>
-              <a:rPr lang="en-US" dirty="0"/>
-              <a:t> a 30 </a:t>
-            </a:r>
-            <a:r>
-              <a:rPr lang="en-US" dirty="0" err="1"/>
-              <a:t>dias</a:t>
-            </a:r>
-            <a:r>
-              <a:rPr lang="en-US" dirty="0"/>
-              <a:t>, se </a:t>
-            </a:r>
-            <a:r>
-              <a:rPr lang="en-US" dirty="0" err="1"/>
-              <a:t>mostrara</a:t>
-            </a:r>
-            <a:r>
-              <a:rPr lang="en-US" dirty="0"/>
-              <a:t> con </a:t>
-            </a:r>
-            <a:r>
-              <a:rPr lang="en-US" dirty="0" err="1"/>
-              <a:t>fondo</a:t>
-            </a:r>
-            <a:r>
-              <a:rPr lang="en-US" dirty="0"/>
-              <a:t> </a:t>
-            </a:r>
-            <a:r>
-              <a:rPr lang="en-US" dirty="0" err="1"/>
-              <a:t>amarillo</a:t>
-            </a:r>
-            <a:r>
-              <a:rPr lang="en-US" dirty="0"/>
-              <a:t>.</a:t>
-            </a:r>
-            <a:endParaRPr lang="es-MX" dirty="0"/>
-          </a:p>
-          <a:p>
-            <a:pPr marL="569214" lvl="1" indent="-285750" algn="just">
-              <a:buFont typeface="Wingdings" panose="05000000000000000000" pitchFamily="2" charset="2"/>
-              <a:buChar char="Ø"/>
-            </a:pPr>
-            <a:endParaRPr lang="es-MX" dirty="0"/>
+            <a:endParaRPr lang="es-MX" noProof="0" dirty="0"/>
           </a:p>
           <a:p>
             <a:pPr lvl="1" algn="just"/>
-            <a:endParaRPr lang="es-MX" dirty="0"/>
+            <a:endParaRPr lang="es-MX" noProof="0" dirty="0"/>
           </a:p>
           <a:p>
             <a:pPr algn="just"/>
@@ -46401,168 +44701,6 @@
     <p:extLst>
       <p:ext uri="{BB962C8B-B14F-4D97-AF65-F5344CB8AC3E}">
         <p14:creationId xmlns:p14="http://schemas.microsoft.com/office/powerpoint/2010/main" val="2880827473"/>
-      </p:ext>
-    </p:extLst>
-  </p:cSld>
-  <p:clrMapOvr>
-    <a:masterClrMapping/>
-  </p:clrMapOvr>
-</p:sld>
-</file>
-
-<file path=ppt/slides/slide43.xml><?xml version="1.0" encoding="utf-8"?>
-<p:sld xmlns:a="http://schemas.openxmlformats.org/drawingml/2006/main" xmlns:r="http://schemas.openxmlformats.org/officeDocument/2006/relationships" xmlns:p="http://schemas.openxmlformats.org/presentationml/2006/main">
-  <p:cSld>
-    <p:spTree>
-      <p:nvGrpSpPr>
-        <p:cNvPr id="1" name="">
-          <a:extLst>
-            <a:ext uri="{FF2B5EF4-FFF2-40B4-BE49-F238E27FC236}">
-              <a16:creationId xmlns:a16="http://schemas.microsoft.com/office/drawing/2014/main" id="{26DC1F13-1152-3E30-6B2B-EB57FC8425E7}"/>
-            </a:ext>
-          </a:extLst>
-        </p:cNvPr>
-        <p:cNvGrpSpPr/>
-        <p:nvPr/>
-      </p:nvGrpSpPr>
-      <p:grpSpPr>
-        <a:xfrm>
-          <a:off x="0" y="0"/>
-          <a:ext cx="0" cy="0"/>
-          <a:chOff x="0" y="0"/>
-          <a:chExt cx="0" cy="0"/>
-        </a:xfrm>
-      </p:grpSpPr>
-      <p:sp>
-        <p:nvSpPr>
-          <p:cNvPr id="2" name="Title 1">
-            <a:extLst>
-              <a:ext uri="{FF2B5EF4-FFF2-40B4-BE49-F238E27FC236}">
-                <a16:creationId xmlns:a16="http://schemas.microsoft.com/office/drawing/2014/main" id="{28C6B79A-71A0-2A50-3259-00F0DE6C4B1A}"/>
-              </a:ext>
-            </a:extLst>
-          </p:cNvPr>
-          <p:cNvSpPr>
-            <a:spLocks noGrp="1"/>
-          </p:cNvSpPr>
-          <p:nvPr>
-            <p:ph type="title"/>
-          </p:nvPr>
-        </p:nvSpPr>
-        <p:spPr/>
-        <p:txBody>
-          <a:bodyPr/>
-          <a:lstStyle/>
-          <a:p>
-            <a:r>
-              <a:rPr lang="es-MX" sz="4000" noProof="0" dirty="0"/>
-              <a:t>Pagina de Tubos - Funciones</a:t>
-            </a:r>
-          </a:p>
-        </p:txBody>
-      </p:sp>
-      <p:sp>
-        <p:nvSpPr>
-          <p:cNvPr id="3" name="Content Placeholder 2">
-            <a:extLst>
-              <a:ext uri="{FF2B5EF4-FFF2-40B4-BE49-F238E27FC236}">
-                <a16:creationId xmlns:a16="http://schemas.microsoft.com/office/drawing/2014/main" id="{7D60BAD3-A7E9-FCE8-33E6-CBA7C5F7A5D0}"/>
-              </a:ext>
-            </a:extLst>
-          </p:cNvPr>
-          <p:cNvSpPr>
-            <a:spLocks noGrp="1"/>
-          </p:cNvSpPr>
-          <p:nvPr>
-            <p:ph sz="quarter" idx="17"/>
-          </p:nvPr>
-        </p:nvSpPr>
-        <p:spPr>
-          <a:xfrm>
-            <a:off x="1542562" y="2590800"/>
-            <a:ext cx="10013709" cy="4056888"/>
-          </a:xfrm>
-        </p:spPr>
-        <p:txBody>
-          <a:bodyPr>
-            <a:normAutofit/>
-          </a:bodyPr>
-          <a:lstStyle/>
-          <a:p>
-            <a:pPr marL="569214" lvl="1" indent="-285750" algn="just">
-              <a:buFont typeface="Wingdings" panose="05000000000000000000" pitchFamily="2" charset="2"/>
-              <a:buChar char="Ø"/>
-            </a:pPr>
-            <a:r>
-              <a:rPr lang="en-US" dirty="0" err="1"/>
-              <a:t>Cuando</a:t>
-            </a:r>
-            <a:r>
-              <a:rPr lang="en-US" dirty="0"/>
-              <a:t> </a:t>
-            </a:r>
-            <a:r>
-              <a:rPr lang="en-US" dirty="0" err="1"/>
-              <a:t>el</a:t>
-            </a:r>
-            <a:r>
-              <a:rPr lang="en-US" dirty="0"/>
-              <a:t> campo “Days to Submit” es mayor a 30 </a:t>
-            </a:r>
-            <a:r>
-              <a:rPr lang="en-US" dirty="0" err="1"/>
-              <a:t>dias</a:t>
-            </a:r>
-            <a:r>
-              <a:rPr lang="en-US" dirty="0"/>
-              <a:t>, se </a:t>
-            </a:r>
-            <a:r>
-              <a:rPr lang="en-US" dirty="0" err="1"/>
-              <a:t>mostrara</a:t>
-            </a:r>
-            <a:r>
-              <a:rPr lang="en-US" dirty="0"/>
-              <a:t> con </a:t>
-            </a:r>
-            <a:r>
-              <a:rPr lang="en-US" dirty="0" err="1"/>
-              <a:t>fondo</a:t>
-            </a:r>
-            <a:r>
-              <a:rPr lang="en-US" dirty="0"/>
-              <a:t> rojo.</a:t>
-            </a:r>
-            <a:endParaRPr lang="es-MX" dirty="0"/>
-          </a:p>
-          <a:p>
-            <a:pPr marL="569214" lvl="1" indent="-285750" algn="just">
-              <a:buFont typeface="Wingdings" panose="05000000000000000000" pitchFamily="2" charset="2"/>
-              <a:buChar char="Ø"/>
-            </a:pPr>
-            <a:endParaRPr lang="es-MX" dirty="0"/>
-          </a:p>
-          <a:p>
-            <a:pPr lvl="1" algn="just"/>
-            <a:endParaRPr lang="es-MX" dirty="0"/>
-          </a:p>
-          <a:p>
-            <a:pPr algn="just"/>
-            <a:endParaRPr lang="es-MX" noProof="0" dirty="0"/>
-          </a:p>
-          <a:p>
-            <a:pPr marL="285750" indent="-285750" algn="just">
-              <a:buFont typeface="Arial" panose="020B0604020202020204" pitchFamily="34" charset="0"/>
-              <a:buChar char="•"/>
-            </a:pPr>
-            <a:endParaRPr lang="es-MX" noProof="0" dirty="0"/>
-          </a:p>
-        </p:txBody>
-      </p:sp>
-    </p:spTree>
-    <p:extLst>
-      <p:ext uri="{BB962C8B-B14F-4D97-AF65-F5344CB8AC3E}">
-        <p14:creationId xmlns:p14="http://schemas.microsoft.com/office/powerpoint/2010/main" val="3161952722"/>
       </p:ext>
     </p:extLst>
   </p:cSld>
@@ -46820,7 +44958,7 @@
         </p:nvSpPr>
         <p:spPr>
           <a:xfrm>
-            <a:off x="9217441" y="1646102"/>
+            <a:off x="9217441" y="1640385"/>
             <a:ext cx="4398553" cy="4160520"/>
           </a:xfrm>
           <a:prstGeom prst="rect">
@@ -47035,23 +45173,39 @@
           </a:lstStyle>
           <a:p>
             <a:r>
-              <a:rPr lang="es-MX" sz="2400" b="1" dirty="0"/>
+              <a:rPr lang="es-MX" sz="2400" b="1" noProof="0" dirty="0">
+                <a:solidFill>
+                  <a:schemeClr val="tx1"/>
+                </a:solidFill>
+              </a:rPr>
               <a:t>Usuarios</a:t>
             </a:r>
           </a:p>
           <a:p>
             <a:r>
-              <a:rPr lang="es-MX" sz="2400" dirty="0"/>
+              <a:rPr lang="es-MX" sz="2400" noProof="0" dirty="0">
+                <a:solidFill>
+                  <a:schemeClr val="tx1"/>
+                </a:solidFill>
+              </a:rPr>
               <a:t>- </a:t>
             </a:r>
             <a:r>
-              <a:rPr lang="es-MX" sz="2400" dirty="0" err="1"/>
+              <a:rPr lang="es-MX" sz="2400" noProof="0" dirty="0" err="1">
+                <a:solidFill>
+                  <a:schemeClr val="tx1"/>
+                </a:solidFill>
+              </a:rPr>
               <a:t>users</a:t>
             </a:r>
-            <a:endParaRPr lang="es-MX" sz="2400" dirty="0"/>
+            <a:endParaRPr lang="es-MX" sz="2400" noProof="0" dirty="0">
+              <a:solidFill>
+                <a:schemeClr val="tx1"/>
+              </a:solidFill>
+            </a:endParaRPr>
           </a:p>
           <a:p>
-            <a:endParaRPr lang="es-MX" sz="2400" dirty="0"/>
+            <a:endParaRPr lang="es-MX" sz="2400" noProof="0" dirty="0"/>
           </a:p>
         </p:txBody>
       </p:sp>
@@ -47143,7 +45297,7 @@
           <p:nvPr>
             <p:extLst>
               <p:ext uri="{D42A27DB-BD31-4B8C-83A1-F6EECF244321}">
-                <p14:modId xmlns:p14="http://schemas.microsoft.com/office/powerpoint/2010/main" val="3148440349"/>
+                <p14:modId xmlns:p14="http://schemas.microsoft.com/office/powerpoint/2010/main" val="468765427"/>
               </p:ext>
             </p:extLst>
           </p:nvPr>
@@ -47871,7 +46025,7 @@
           <p:nvPr>
             <p:extLst>
               <p:ext uri="{D42A27DB-BD31-4B8C-83A1-F6EECF244321}">
-                <p14:modId xmlns:p14="http://schemas.microsoft.com/office/powerpoint/2010/main" val="3460354322"/>
+                <p14:modId xmlns:p14="http://schemas.microsoft.com/office/powerpoint/2010/main" val="2944075522"/>
               </p:ext>
             </p:extLst>
           </p:nvPr>
@@ -48374,7 +46528,7 @@
           <p:nvPr>
             <p:extLst>
               <p:ext uri="{D42A27DB-BD31-4B8C-83A1-F6EECF244321}">
-                <p14:modId xmlns:p14="http://schemas.microsoft.com/office/powerpoint/2010/main" val="1483694479"/>
+                <p14:modId xmlns:p14="http://schemas.microsoft.com/office/powerpoint/2010/main" val="944028597"/>
               </p:ext>
             </p:extLst>
           </p:nvPr>
@@ -49074,7 +47228,7 @@
           <p:nvPr>
             <p:extLst>
               <p:ext uri="{D42A27DB-BD31-4B8C-83A1-F6EECF244321}">
-                <p14:modId xmlns:p14="http://schemas.microsoft.com/office/powerpoint/2010/main" val="3117665932"/>
+                <p14:modId xmlns:p14="http://schemas.microsoft.com/office/powerpoint/2010/main" val="1382256409"/>
               </p:ext>
             </p:extLst>
           </p:nvPr>
@@ -50143,13 +48297,8 @@
                     <a:p>
                       <a:r>
                         <a:rPr lang="es-MX" noProof="0" dirty="0"/>
-                        <a:t>1 </a:t>
-                      </a:r>
-                      <a:r>
-                        <a:rPr lang="es-MX" noProof="0" dirty="0" err="1"/>
-                        <a:t>caracter</a:t>
-                      </a:r>
-                      <a:endParaRPr lang="es-MX" noProof="0" dirty="0"/>
+                        <a:t>1 carácter</a:t>
+                      </a:r>
                     </a:p>
                   </a:txBody>
                   <a:tcPr/>
@@ -50280,13 +48429,8 @@
                       </a:pPr>
                       <a:r>
                         <a:rPr lang="es-MX" noProof="0" dirty="0"/>
-                        <a:t>1 </a:t>
-                      </a:r>
-                      <a:r>
-                        <a:rPr lang="es-MX" noProof="0" dirty="0" err="1"/>
-                        <a:t>caracter</a:t>
-                      </a:r>
-                      <a:endParaRPr lang="es-MX" noProof="0" dirty="0"/>
+                        <a:t>1 carácter</a:t>
+                      </a:r>
                     </a:p>
                   </a:txBody>
                   <a:tcPr/>
@@ -51255,26 +49399,6 @@
 </file>
 
 <file path=customXml/item1.xml><?xml version="1.0" encoding="utf-8"?>
-<p:properties xmlns:p="http://schemas.microsoft.com/office/2006/metadata/properties" xmlns:xsi="http://www.w3.org/2001/XMLSchema-instance" xmlns:pc="http://schemas.microsoft.com/office/infopath/2007/PartnerControls">
-  <documentManagement>
-    <_ip_UnifiedCompliancePolicyUIAction xmlns="http://schemas.microsoft.com/sharepoint/v3" xsi:nil="true"/>
-    <Image xmlns="71af3243-3dd4-4a8d-8c0d-dd76da1f02a5">
-      <Url xsi:nil="true"/>
-      <Description xsi:nil="true"/>
-    </Image>
-    <Status xmlns="71af3243-3dd4-4a8d-8c0d-dd76da1f02a5">Not started</Status>
-    <Background xmlns="71af3243-3dd4-4a8d-8c0d-dd76da1f02a5">false</Background>
-    <_ip_UnifiedCompliancePolicyProperties xmlns="http://schemas.microsoft.com/sharepoint/v3" xsi:nil="true"/>
-    <ImageTagsTaxHTField xmlns="71af3243-3dd4-4a8d-8c0d-dd76da1f02a5">
-      <Terms xmlns="http://schemas.microsoft.com/office/infopath/2007/PartnerControls"/>
-    </ImageTagsTaxHTField>
-    <TaxCatchAll xmlns="230e9df3-be65-4c73-a93b-d1236ebd677e" xsi:nil="true"/>
-    <MediaServiceKeyPoints xmlns="71af3243-3dd4-4a8d-8c0d-dd76da1f02a5" xsi:nil="true"/>
-  </documentManagement>
-</p:properties>
-</file>
-
-<file path=customXml/item2.xml><?xml version="1.0" encoding="utf-8"?>
 <?mso-contentType ?>
 <FormTemplates xmlns="http://schemas.microsoft.com/sharepoint/v3/contenttype/forms">
   <Display>DocumentLibraryForm</Display>
@@ -51283,7 +49407,7 @@
 </FormTemplates>
 </file>
 
-<file path=customXml/item3.xml><?xml version="1.0" encoding="utf-8"?>
+<file path=customXml/item2.xml><?xml version="1.0" encoding="utf-8"?>
 <ct:contentTypeSchema xmlns:ct="http://schemas.microsoft.com/office/2006/metadata/contentType" xmlns:ma="http://schemas.microsoft.com/office/2006/metadata/properties/metaAttributes" ct:_="" ma:_="" ma:contentTypeName="Document" ma:contentTypeID="0x01010079F111ED35F8CC479449609E8A0923A6" ma:contentTypeVersion="28" ma:contentTypeDescription="Create a new document." ma:contentTypeScope="" ma:versionID="60f5a4f2d2b0abadcf532d48ebf9cb71">
   <xsd:schema xmlns:xsd="http://www.w3.org/2001/XMLSchema" xmlns:xs="http://www.w3.org/2001/XMLSchema" xmlns:p="http://schemas.microsoft.com/office/2006/metadata/properties" xmlns:ns1="http://schemas.microsoft.com/sharepoint/v3" xmlns:ns2="71af3243-3dd4-4a8d-8c0d-dd76da1f02a5" xmlns:ns3="16c05727-aa75-4e4a-9b5f-8a80a1165891" xmlns:ns4="230e9df3-be65-4c73-a93b-d1236ebd677e" targetNamespace="http://schemas.microsoft.com/office/2006/metadata/properties" ma:root="true" ma:fieldsID="7dd78129e6a1811f84807ad11c651531" ns1:_="" ns2:_="" ns3:_="" ns4:_="">
     <xsd:import namespace="http://schemas.microsoft.com/sharepoint/v3"/>
@@ -51595,19 +49719,27 @@
 </ct:contentTypeSchema>
 </file>
 
-<file path=customXml/itemProps1.xml><?xml version="1.0" encoding="utf-8"?>
-<ds:datastoreItem xmlns:ds="http://schemas.openxmlformats.org/officeDocument/2006/customXml" ds:itemID="{57FF477C-132F-44F8-8C56-EBFF95FAF97B}">
-  <ds:schemaRefs>
-    <ds:schemaRef ds:uri="http://schemas.microsoft.com/office/2006/metadata/properties"/>
-    <ds:schemaRef ds:uri="http://schemas.microsoft.com/office/infopath/2007/PartnerControls"/>
-    <ds:schemaRef ds:uri="http://schemas.microsoft.com/sharepoint/v3"/>
-    <ds:schemaRef ds:uri="71af3243-3dd4-4a8d-8c0d-dd76da1f02a5"/>
-    <ds:schemaRef ds:uri="230e9df3-be65-4c73-a93b-d1236ebd677e"/>
-  </ds:schemaRefs>
-</ds:datastoreItem>
+<file path=customXml/item3.xml><?xml version="1.0" encoding="utf-8"?>
+<p:properties xmlns:p="http://schemas.microsoft.com/office/2006/metadata/properties" xmlns:xsi="http://www.w3.org/2001/XMLSchema-instance" xmlns:pc="http://schemas.microsoft.com/office/infopath/2007/PartnerControls">
+  <documentManagement>
+    <_ip_UnifiedCompliancePolicyUIAction xmlns="http://schemas.microsoft.com/sharepoint/v3" xsi:nil="true"/>
+    <Image xmlns="71af3243-3dd4-4a8d-8c0d-dd76da1f02a5">
+      <Url xsi:nil="true"/>
+      <Description xsi:nil="true"/>
+    </Image>
+    <Status xmlns="71af3243-3dd4-4a8d-8c0d-dd76da1f02a5">Not started</Status>
+    <Background xmlns="71af3243-3dd4-4a8d-8c0d-dd76da1f02a5">false</Background>
+    <_ip_UnifiedCompliancePolicyProperties xmlns="http://schemas.microsoft.com/sharepoint/v3" xsi:nil="true"/>
+    <ImageTagsTaxHTField xmlns="71af3243-3dd4-4a8d-8c0d-dd76da1f02a5">
+      <Terms xmlns="http://schemas.microsoft.com/office/infopath/2007/PartnerControls"/>
+    </ImageTagsTaxHTField>
+    <TaxCatchAll xmlns="230e9df3-be65-4c73-a93b-d1236ebd677e" xsi:nil="true"/>
+    <MediaServiceKeyPoints xmlns="71af3243-3dd4-4a8d-8c0d-dd76da1f02a5" xsi:nil="true"/>
+  </documentManagement>
+</p:properties>
 </file>
 
-<file path=customXml/itemProps2.xml><?xml version="1.0" encoding="utf-8"?>
+<file path=customXml/itemProps1.xml><?xml version="1.0" encoding="utf-8"?>
 <ds:datastoreItem xmlns:ds="http://schemas.openxmlformats.org/officeDocument/2006/customXml" ds:itemID="{6F36CB81-A037-44A8-88EB-C0C0F17FD4B1}">
   <ds:schemaRefs>
     <ds:schemaRef ds:uri="http://schemas.microsoft.com/sharepoint/v3/contenttype/forms"/>
@@ -51615,7 +49747,7 @@
 </ds:datastoreItem>
 </file>
 
-<file path=customXml/itemProps3.xml><?xml version="1.0" encoding="utf-8"?>
+<file path=customXml/itemProps2.xml><?xml version="1.0" encoding="utf-8"?>
 <ds:datastoreItem xmlns:ds="http://schemas.openxmlformats.org/officeDocument/2006/customXml" ds:itemID="{2C1AA24C-4CA6-40FF-8947-DA1F6F47456C}">
   <ds:schemaRefs>
     <ds:schemaRef ds:uri="http://schemas.microsoft.com/office/2006/metadata/contentType"/>
@@ -51636,6 +49768,18 @@
 </ds:datastoreItem>
 </file>
 
+<file path=customXml/itemProps3.xml><?xml version="1.0" encoding="utf-8"?>
+<ds:datastoreItem xmlns:ds="http://schemas.openxmlformats.org/officeDocument/2006/customXml" ds:itemID="{57FF477C-132F-44F8-8C56-EBFF95FAF97B}">
+  <ds:schemaRefs>
+    <ds:schemaRef ds:uri="http://schemas.microsoft.com/office/2006/metadata/properties"/>
+    <ds:schemaRef ds:uri="http://schemas.microsoft.com/office/infopath/2007/PartnerControls"/>
+    <ds:schemaRef ds:uri="http://schemas.microsoft.com/sharepoint/v3"/>
+    <ds:schemaRef ds:uri="71af3243-3dd4-4a8d-8c0d-dd76da1f02a5"/>
+    <ds:schemaRef ds:uri="230e9df3-be65-4c73-a93b-d1236ebd677e"/>
+  </ds:schemaRefs>
+</ds:datastoreItem>
+</file>
+
 <file path=docMetadata/LabelInfo.xml><?xml version="1.0" encoding="utf-8"?>
 <clbl:labelList xmlns:clbl="http://schemas.microsoft.com/office/2020/mipLabelMetadata"/>
 </file>